--- a/JPP6-JCR/Day-4.pptx
+++ b/JPP6-JCR/Day-4.pptx
@@ -9769,11 +9769,7 @@
             </a:pPr>
             <a:r>
               <a:rPr lang="fr-FR" sz="2400" b="1" dirty="0" err="1" smtClean="0"/>
-              <a:t>j</a:t>
-            </a:r>
-            <a:r>
-              <a:rPr lang="fr-FR" sz="2400" b="1" dirty="0" err="1" smtClean="0"/>
-              <a:t>bosscache</a:t>
+              <a:t>jbosscache</a:t>
             </a:r>
             <a:endParaRPr lang="ro-RO" sz="2400" b="1" dirty="0" smtClean="0"/>
           </a:p>
@@ -11903,12 +11899,21 @@
             </a:r>
             <a:r>
               <a:rPr lang="en-US" sz="2000" dirty="0"/>
-              <a:t>The time after which an idle session will be removed (called logout). If session-max-age is not set up, idle session will never be removed</a:t>
+              <a:t>The time after which an idle session will be </a:t>
             </a:r>
             <a:r>
               <a:rPr lang="en-US" sz="2000" dirty="0" smtClean="0"/>
-              <a:t>.</a:t>
-            </a:r>
+              <a:t>automatically disconnected (calling </a:t>
+            </a:r>
+            <a:r>
+              <a:rPr lang="en-US" sz="2000" dirty="0"/>
+              <a:t>logout). If session-max-age is not set up, idle session will never be </a:t>
+            </a:r>
+            <a:r>
+              <a:rPr lang="en-US" sz="2000" dirty="0" smtClean="0"/>
+              <a:t>automatically disconnected.</a:t>
+            </a:r>
+            <a:endParaRPr lang="en-US" sz="2000" dirty="0" smtClean="0"/>
           </a:p>
           <a:p>
             <a:pPr>
@@ -12316,9 +12321,9 @@
               <a:lnSpc>
                 <a:spcPct val="100000"/>
               </a:lnSpc>
-              <a:buSzPct val="25000"/>
-              <a:buFont typeface="Wingdings" charset="2"/>
-              <a:buChar char="u"/>
+              <a:buSzPct val="100000"/>
+              <a:buFont typeface="+mj-lt"/>
+              <a:buAutoNum type="arabicPeriod"/>
             </a:pPr>
             <a:r>
               <a:rPr lang="en-US" sz="1400" b="1" dirty="0"/>
@@ -12341,9 +12346,9 @@
               <a:lnSpc>
                 <a:spcPct val="100000"/>
               </a:lnSpc>
-              <a:buSzPct val="25000"/>
-              <a:buFont typeface="Wingdings" charset="2"/>
-              <a:buChar char="u"/>
+              <a:buSzPct val="100000"/>
+              <a:buFont typeface="+mj-lt"/>
+              <a:buAutoNum type="arabicPeriod"/>
             </a:pPr>
             <a:r>
               <a:rPr lang="en-US" sz="1400" b="1" dirty="0"/>
@@ -12373,9 +12378,9 @@
               <a:lnSpc>
                 <a:spcPct val="100000"/>
               </a:lnSpc>
-              <a:buSzPct val="25000"/>
-              <a:buFont typeface="Wingdings" charset="2"/>
-              <a:buChar char="u"/>
+              <a:buSzPct val="100000"/>
+              <a:buFont typeface="+mj-lt"/>
+              <a:buAutoNum type="arabicPeriod"/>
             </a:pPr>
             <a:r>
               <a:rPr lang="en-US" sz="1400" b="1" dirty="0"/>
@@ -12405,13 +12410,21 @@
               <a:lnSpc>
                 <a:spcPct val="100000"/>
               </a:lnSpc>
-              <a:buSzPct val="25000"/>
-              <a:buFont typeface="Wingdings" charset="2"/>
-              <a:buChar char="u"/>
+              <a:buSzPct val="100000"/>
+              <a:buFont typeface="+mj-lt"/>
+              <a:buAutoNum type="arabicPeriod"/>
             </a:pPr>
             <a:r>
               <a:rPr lang="en-US" sz="1400" b="1" dirty="0"/>
-              <a:t>If we have a property 'foo' configured for the repository 'repository' and the workspace 'collaboration' and we have no system properties corresponding to rule #1, #2 and #3, we will use this value (current behavior)</a:t>
+              <a:t>If we have a property 'foo' configured for the repository 'repository' and the workspace 'collaboration' and we have no system properties corresponding to </a:t>
+            </a:r>
+            <a:r>
+              <a:rPr lang="en-US" sz="1400" b="1" dirty="0" smtClean="0"/>
+              <a:t>rules </a:t>
+            </a:r>
+            <a:r>
+              <a:rPr lang="en-US" sz="1400" b="1" dirty="0"/>
+              <a:t>#1, #2 and #3, we will use this value (current behavior)</a:t>
             </a:r>
           </a:p>
           <a:p>
@@ -12419,9 +12432,9 @@
               <a:lnSpc>
                 <a:spcPct val="100000"/>
               </a:lnSpc>
-              <a:buSzPct val="25000"/>
-              <a:buFont typeface="Wingdings" charset="2"/>
-              <a:buChar char="u"/>
+              <a:buSzPct val="100000"/>
+              <a:buFont typeface="+mj-lt"/>
+              <a:buAutoNum type="arabicPeriod"/>
             </a:pPr>
             <a:r>
               <a:rPr lang="en-US" sz="1400" b="1" dirty="0"/>
@@ -12915,7 +12928,15 @@
             </a:r>
             <a:r>
               <a:rPr lang="en-US" sz="2000" dirty="0"/>
-              <a:t>The FQN of the class to use to indicate the policy to use to manage the </a:t>
+              <a:t>The FQN of the </a:t>
+            </a:r>
+            <a:r>
+              <a:rPr lang="en-US" sz="2000" dirty="0" smtClean="0"/>
+              <a:t>class that will define </a:t>
+            </a:r>
+            <a:r>
+              <a:rPr lang="en-US" sz="2000" dirty="0"/>
+              <a:t>the policy to use to manage the </a:t>
             </a:r>
             <a:r>
               <a:rPr lang="en-US" sz="2000" dirty="0" err="1"/>
@@ -12984,7 +13005,15 @@
             </a:r>
             <a:r>
               <a:rPr lang="en-US" sz="2000" dirty="0"/>
-              <a:t>maximum amount of nodes which can be retrieved from storage for re-indexing purpose, the default value is </a:t>
+              <a:t>maximum amount of nodes </a:t>
+            </a:r>
+            <a:r>
+              <a:rPr lang="en-US" sz="2000" dirty="0" smtClean="0"/>
+              <a:t>that can </a:t>
+            </a:r>
+            <a:r>
+              <a:rPr lang="en-US" sz="2000" dirty="0"/>
+              <a:t>be retrieved from storage for re-indexing purpose, the default value is </a:t>
             </a:r>
             <a:r>
               <a:rPr lang="en-US" sz="2000" dirty="0" smtClean="0"/>
@@ -13032,7 +13061,15 @@
             </a:r>
             <a:r>
               <a:rPr lang="en-US" sz="2000" dirty="0"/>
-              <a:t>Controls the process of re-indexing on JCR's startup. If flag set, indexing will be launched asynchronously, without blocking the JCR. Default is "false".</a:t>
+              <a:t>Controls the process of re-indexing on JCR's startup. If flag set, indexing will be launched asynchronously, without blocking the </a:t>
+            </a:r>
+            <a:r>
+              <a:rPr lang="en-US" sz="2000" dirty="0" smtClean="0"/>
+              <a:t>JCR’s startup. </a:t>
+            </a:r>
+            <a:r>
+              <a:rPr lang="en-US" sz="2000" dirty="0"/>
+              <a:t>Default is "false".</a:t>
             </a:r>
           </a:p>
           <a:p>
@@ -13483,16 +13520,41 @@
             </a:r>
             <a:r>
               <a:rPr lang="en-US" sz="2000" b="1" i="1" dirty="0"/>
-              <a:t>-structure-type: </a:t>
+              <a:t>-structure-</a:t>
+            </a:r>
+            <a:r>
+              <a:rPr lang="en-US" sz="2000" b="1" i="1" dirty="0" smtClean="0"/>
+              <a:t>type: </a:t>
+            </a:r>
+            <a:r>
+              <a:rPr lang="fr-FR" sz="2000" dirty="0" err="1" smtClean="0"/>
+              <a:t>T</a:t>
+            </a:r>
+            <a:r>
+              <a:rPr lang="en-US" sz="2000" dirty="0" smtClean="0"/>
+              <a:t>he type of </a:t>
+            </a:r>
+            <a:r>
+              <a:rPr lang="en-US" sz="2000" dirty="0" err="1" smtClean="0"/>
+              <a:t>db</a:t>
+            </a:r>
+            <a:r>
+              <a:rPr lang="en-US" sz="2000" dirty="0" smtClean="0"/>
+              <a:t> structure to use. C</a:t>
+            </a:r>
+            <a:r>
+              <a:rPr lang="en-US" sz="2000" dirty="0" smtClean="0"/>
+              <a:t>an </a:t>
             </a:r>
             <a:r>
               <a:rPr lang="en-US" sz="2000" dirty="0"/>
-              <a:t>Can be set to isolated, multi, single to set corresponding configuration for data container</a:t>
+              <a:t>be set to isolated, multi, </a:t>
             </a:r>
             <a:r>
               <a:rPr lang="en-US" sz="2000" dirty="0" smtClean="0"/>
-              <a:t>.</a:t>
-            </a:r>
+              <a:t>single.</a:t>
+            </a:r>
+            <a:endParaRPr lang="en-US" sz="2000" dirty="0" smtClean="0"/>
           </a:p>
           <a:p>
             <a:pPr marL="342900" indent="-342900">
@@ -13598,7 +13660,27 @@
             </a:r>
             <a:r>
               <a:rPr lang="en-US" sz="2000" dirty="0"/>
-              <a:t>A threshold in bytes, if a value size is greater, then it will be spooled to a temporary file. Default value is 200k</a:t>
+              <a:t>A threshold in bytes, if </a:t>
+            </a:r>
+            <a:r>
+              <a:rPr lang="en-US" sz="2000" dirty="0" smtClean="0"/>
+              <a:t>the </a:t>
+            </a:r>
+            <a:r>
+              <a:rPr lang="en-US" sz="2000" dirty="0" smtClean="0"/>
+              <a:t>size of a value </a:t>
+            </a:r>
+            <a:r>
+              <a:rPr lang="en-US" sz="2000" dirty="0"/>
+              <a:t>is greater, then it will be </a:t>
+            </a:r>
+            <a:r>
+              <a:rPr lang="en-US" sz="2000" dirty="0" smtClean="0"/>
+              <a:t>spooled into </a:t>
+            </a:r>
+            <a:r>
+              <a:rPr lang="en-US" sz="2000" dirty="0"/>
+              <a:t>a temporary file. Default value is 200k</a:t>
             </a:r>
             <a:r>
               <a:rPr lang="en-US" sz="2000" b="1" i="1" dirty="0" smtClean="0"/>
@@ -14015,7 +14097,15 @@
             </a:r>
             <a:r>
               <a:rPr lang="en-US" sz="1600" dirty="0"/>
-              <a:t> is set to off. This is default value for version before 9.1</a:t>
+              <a:t> is set to off. This is default value for </a:t>
+            </a:r>
+            <a:r>
+              <a:rPr lang="en-US" sz="1600" dirty="0" smtClean="0"/>
+              <a:t>versions </a:t>
+            </a:r>
+            <a:r>
+              <a:rPr lang="en-US" sz="1600" dirty="0"/>
+              <a:t>before 9.1</a:t>
             </a:r>
             <a:r>
               <a:rPr lang="en-US" sz="1600" dirty="0" smtClean="0"/>
@@ -14053,7 +14143,15 @@
             </a:r>
             <a:r>
               <a:rPr lang="en-US" sz="1600" dirty="0"/>
-              <a:t> is set to on. This is default value for version after 9.1</a:t>
+              <a:t> is set to on. This is default value for </a:t>
+            </a:r>
+            <a:r>
+              <a:rPr lang="en-US" sz="1600" dirty="0" smtClean="0"/>
+              <a:t>versions </a:t>
+            </a:r>
+            <a:r>
+              <a:rPr lang="en-US" sz="1600" dirty="0"/>
+              <a:t>after 9.1</a:t>
             </a:r>
             <a:r>
               <a:rPr lang="en-US" sz="1600" dirty="0" smtClean="0"/>
@@ -14109,7 +14207,15 @@
             </a:r>
             <a:r>
               <a:rPr lang="en-US" sz="1600" dirty="0"/>
-              <a:t>this dialect is used if version of database not lower than 9 and DB2_COMPATIBILITY_VECTOR is se to 0</a:t>
+              <a:t>this dialect is used if version of database not lower than 9 and DB2_COMPATIBILITY_VECTOR is </a:t>
+            </a:r>
+            <a:r>
+              <a:rPr lang="en-US" sz="1600" dirty="0" smtClean="0"/>
+              <a:t>set </a:t>
+            </a:r>
+            <a:r>
+              <a:rPr lang="en-US" sz="1600" dirty="0"/>
+              <a:t>to 0</a:t>
             </a:r>
           </a:p>
           <a:p>
@@ -14135,15 +14241,31 @@
             </a:r>
             <a:r>
               <a:rPr lang="en-US" sz="1600" dirty="0"/>
-              <a:t>this dialect is used if version of database not lower than 9 and DB2_COMPATIBILITY_VECTOR is se to MYS. This is default value for version </a:t>
-            </a:r>
-            <a:r>
-              <a:rPr lang="en-US" sz="1600" dirty="0" err="1"/>
-              <a:t>begining</a:t>
+              <a:t>this dialect is used if version of database not lower than 9 and DB2_COMPATIBILITY_VECTOR is </a:t>
+            </a:r>
+            <a:r>
+              <a:rPr lang="en-US" sz="1600" dirty="0" smtClean="0"/>
+              <a:t>set </a:t>
             </a:r>
             <a:r>
               <a:rPr lang="en-US" sz="1600" dirty="0"/>
-              <a:t> from 9.7.2</a:t>
+              <a:t>to MYS. This is </a:t>
+            </a:r>
+            <a:r>
+              <a:rPr lang="en-US" sz="1600" dirty="0" smtClean="0"/>
+              <a:t>the default </a:t>
+            </a:r>
+            <a:r>
+              <a:rPr lang="en-US" sz="1600" dirty="0"/>
+              <a:t>value for </a:t>
+            </a:r>
+            <a:r>
+              <a:rPr lang="en-US" sz="1600" dirty="0" smtClean="0"/>
+              <a:t>versions starting </a:t>
+            </a:r>
+            <a:r>
+              <a:rPr lang="en-US" sz="1600" dirty="0"/>
+              <a:t>from 9.7.2</a:t>
             </a:r>
             <a:r>
               <a:rPr lang="en-US" sz="1600" dirty="0" smtClean="0"/>
@@ -15402,7 +15524,15 @@
             </a:r>
             <a:r>
               <a:rPr lang="en-US" dirty="0" smtClean="0"/>
-              <a:t>It reminds you important parameters such as the data source name, the dialect (set or detected), the </a:t>
+              <a:t>It </a:t>
+            </a:r>
+            <a:r>
+              <a:rPr lang="en-US" dirty="0" smtClean="0"/>
+              <a:t>provides important </a:t>
+            </a:r>
+            <a:r>
+              <a:rPr lang="en-US" dirty="0" smtClean="0"/>
+              <a:t>parameters such as the data source name, the dialect (set or detected), the </a:t>
             </a:r>
             <a:r>
               <a:rPr lang="en-US" dirty="0" err="1" smtClean="0"/>
@@ -17279,26 +17409,9 @@
               <a:buSzPct val="25000"/>
             </a:pPr>
             <a:r>
-              <a:rPr lang="fr-FR" sz="2400" b="1" dirty="0" smtClean="0"/>
-              <a:t>The main </a:t>
-            </a:r>
-            <a:r>
-              <a:rPr lang="fr-FR" sz="2400" b="1" dirty="0" err="1" smtClean="0"/>
-              <a:t>tools</a:t>
-            </a:r>
-            <a:r>
-              <a:rPr lang="fr-FR" sz="2400" b="1" dirty="0" smtClean="0"/>
-              <a:t> </a:t>
-            </a:r>
-            <a:r>
-              <a:rPr lang="fr-FR" sz="2400" b="1" dirty="0" err="1" smtClean="0"/>
-              <a:t>available</a:t>
-            </a:r>
-            <a:r>
-              <a:rPr lang="fr-FR" sz="2400" b="1" dirty="0"/>
-              <a:t>:</a:t>
-            </a:r>
-            <a:endParaRPr lang="fr-FR" sz="2400" b="1" dirty="0" smtClean="0"/>
+              <a:rPr lang="en-US" sz="2400" b="1" dirty="0" smtClean="0"/>
+              <a:t>The main tools available:</a:t>
+            </a:r>
           </a:p>
           <a:p>
             <a:pPr>
@@ -17307,7 +17420,7 @@
               </a:lnSpc>
               <a:buSzPct val="25000"/>
             </a:pPr>
-            <a:endParaRPr lang="fr-FR" sz="2400" b="1" dirty="0" smtClean="0"/>
+            <a:endParaRPr lang="en-US" sz="2400" b="1" dirty="0" smtClean="0"/>
           </a:p>
           <a:p>
             <a:pPr marL="342900" indent="-342900">
@@ -17319,16 +17432,20 @@
               <a:buChar char="u"/>
             </a:pPr>
             <a:r>
-              <a:rPr lang="fr-FR" sz="2200" b="1" dirty="0" smtClean="0"/>
-              <a:t>A</a:t>
-            </a:r>
-            <a:r>
               <a:rPr lang="en-US" sz="2200" b="1" dirty="0" smtClean="0"/>
-              <a:t> SQL/JDBC Client: </a:t>
+              <a:t>A SQL/JDBC Client: </a:t>
             </a:r>
             <a:r>
               <a:rPr lang="en-US" sz="2200" dirty="0" smtClean="0"/>
-              <a:t>If you need the check your data directly you will need </a:t>
+              <a:t>If you need </a:t>
+            </a:r>
+            <a:r>
+              <a:rPr lang="en-US" sz="2200" dirty="0" err="1" smtClean="0"/>
+              <a:t>tp</a:t>
+            </a:r>
+            <a:r>
+              <a:rPr lang="en-US" sz="2200" dirty="0" smtClean="0"/>
+              <a:t> check your data directly you will need </a:t>
             </a:r>
             <a:r>
               <a:rPr lang="en-US" sz="2200" dirty="0" err="1" smtClean="0"/>
@@ -17351,10 +17468,9 @@
               <a:t>DbVisualizer</a:t>
             </a:r>
             <a:r>
-              <a:rPr lang="fr-FR" sz="2200" dirty="0" smtClean="0"/>
+              <a:rPr lang="en-US" sz="2200" dirty="0" smtClean="0"/>
               <a:t>…</a:t>
             </a:r>
-            <a:endParaRPr lang="en-US" sz="2200" dirty="0" smtClean="0"/>
           </a:p>
           <a:p>
             <a:pPr marL="342900" indent="-342900">
@@ -17371,19 +17487,19 @@
             </a:r>
             <a:r>
               <a:rPr lang="en-US" sz="2200" dirty="0" smtClean="0"/>
-              <a:t>Use check and repair methods of </a:t>
-            </a:r>
-            <a:r>
-              <a:rPr lang="de-DE" sz="2200" dirty="0" err="1"/>
+              <a:t>Use check and repair methods of the </a:t>
+            </a:r>
+            <a:r>
+              <a:rPr lang="en-US" sz="2200" dirty="0" err="1" smtClean="0"/>
+              <a:t>MBean</a:t>
+            </a:r>
+            <a:r>
+              <a:rPr lang="en-US" sz="2200" dirty="0" smtClean="0"/>
+              <a:t> </a:t>
+            </a:r>
+            <a:r>
+              <a:rPr lang="en-US" sz="2200" dirty="0" err="1" smtClean="0"/>
               <a:t>RepositoryCheckController</a:t>
-            </a:r>
-            <a:r>
-              <a:rPr lang="de-DE" sz="2200" dirty="0"/>
-              <a:t> </a:t>
-            </a:r>
-            <a:r>
-              <a:rPr lang="de-DE" sz="2200" dirty="0" err="1"/>
-              <a:t>MBean</a:t>
             </a:r>
             <a:r>
               <a:rPr lang="en-US" sz="2200" dirty="0" smtClean="0"/>
@@ -17416,12 +17532,8 @@
               <a:t>ssh</a:t>
             </a:r>
             <a:r>
-              <a:rPr lang="en-US" sz="2200" dirty="0"/>
-              <a:t> </a:t>
-            </a:r>
-            <a:r>
               <a:rPr lang="en-US" sz="2200" dirty="0" smtClean="0"/>
-              <a:t>allowing to interact with the JCR.</a:t>
+              <a:t> allowing to interact with the JCR.</a:t>
             </a:r>
           </a:p>
           <a:p>
@@ -17438,20 +17550,16 @@
               <a:t>Luke: </a:t>
             </a:r>
             <a:r>
-              <a:rPr lang="en-US" sz="2200" dirty="0"/>
+              <a:rPr lang="en-US" sz="2200" dirty="0" smtClean="0"/>
               <a:t>Luke is a handy development and diagnostic tool, which accesses already existing </a:t>
             </a:r>
             <a:r>
-              <a:rPr lang="en-US" sz="2200" dirty="0" err="1"/>
+              <a:rPr lang="en-US" sz="2200" dirty="0" err="1" smtClean="0"/>
               <a:t>Lucene</a:t>
             </a:r>
             <a:r>
-              <a:rPr lang="en-US" sz="2200" dirty="0"/>
-              <a:t> indexes and allows you to display and modify their </a:t>
-            </a:r>
-            <a:r>
               <a:rPr lang="en-US" sz="2200" dirty="0" smtClean="0"/>
-              <a:t>content</a:t>
+              <a:t> indexes and allows you to display and modify their content</a:t>
             </a:r>
           </a:p>
           <a:p>
@@ -17471,7 +17579,7 @@
               <a:rPr lang="en-US" sz="2200" dirty="0" smtClean="0"/>
               <a:t>A tool allowing you to identify in your code session leaks.</a:t>
             </a:r>
-            <a:endParaRPr lang="fr-FR" sz="2200" dirty="0"/>
+            <a:endParaRPr lang="en-US" sz="2200" dirty="0"/>
           </a:p>
         </p:txBody>
       </p:sp>
@@ -17658,12 +17766,12 @@
               <a:t>) deploys in a Java runtime and provides interactions with the JVM. Commands are written in Groovy and can be </a:t>
             </a:r>
             <a:r>
-              <a:rPr lang="en-US" sz="2000" b="1" dirty="0" err="1"/>
-              <a:t>developped</a:t>
+              <a:rPr lang="en-US" sz="2000" b="1" dirty="0" smtClean="0"/>
+              <a:t>developed </a:t>
             </a:r>
             <a:r>
               <a:rPr lang="en-US" sz="2000" b="1" dirty="0"/>
-              <a:t> at runtime making the extension of the shell very easy with fast development cycle</a:t>
+              <a:t>at runtime making the extension of the shell very easy with fast development cycle</a:t>
             </a:r>
             <a:r>
               <a:rPr lang="en-US" sz="2000" b="1" dirty="0" smtClean="0"/>
@@ -19150,13 +19258,6 @@
               </a:rPr>
               <a:t>Configuration and settings</a:t>
             </a:r>
-            <a:endParaRPr lang="en-US" sz="3600" b="1" i="1" dirty="0">
-              <a:solidFill>
-                <a:srgbClr val="4C4C4C"/>
-              </a:solidFill>
-              <a:latin typeface="+mj-lt"/>
-              <a:ea typeface="MS Gothic"/>
-            </a:endParaRPr>
           </a:p>
           <a:p>
             <a:pPr marL="914400" lvl="1" indent="-457200">
@@ -19217,13 +19318,6 @@
               </a:rPr>
               <a:t>Checking and ensuring data consistency</a:t>
             </a:r>
-            <a:endParaRPr lang="en-US" sz="3600" b="1" i="1" dirty="0">
-              <a:solidFill>
-                <a:srgbClr val="4C4C4C"/>
-              </a:solidFill>
-              <a:latin typeface="+mj-lt"/>
-              <a:ea typeface="MS Gothic"/>
-            </a:endParaRPr>
           </a:p>
           <a:p>
             <a:pPr marL="914400" lvl="1" indent="-457200">
@@ -19609,7 +19703,19 @@
               <a:rPr lang="en-US" sz="2000" b="1" i="1" dirty="0" smtClean="0">
                 <a:cs typeface="Monaco"/>
               </a:rPr>
-              <a:t>s command displays the list of properties and sub nodes of the current node</a:t>
+              <a:t>s command displays </a:t>
+            </a:r>
+            <a:r>
+              <a:rPr lang="en-US" sz="2000" b="1" i="1" dirty="0" smtClean="0">
+                <a:cs typeface="Monaco"/>
+              </a:rPr>
+              <a:t>the </a:t>
+            </a:r>
+            <a:r>
+              <a:rPr lang="en-US" sz="2000" b="1" i="1" dirty="0" smtClean="0">
+                <a:cs typeface="Monaco"/>
+              </a:rPr>
+              <a:t>properties and sub nodes of the current node</a:t>
             </a:r>
           </a:p>
           <a:p>
@@ -19631,8 +19737,11 @@
               <a:rPr lang="en-US" sz="2000" b="1" i="1" dirty="0" smtClean="0">
                 <a:cs typeface="Monaco"/>
               </a:rPr>
-              <a:t>length)</a:t>
-            </a:r>
+              <a:t>limit)</a:t>
+            </a:r>
+            <a:endParaRPr lang="en-US" sz="2000" b="1" i="1" dirty="0" smtClean="0">
+              <a:cs typeface="Monaco"/>
+            </a:endParaRPr>
           </a:p>
           <a:p>
             <a:pPr>
@@ -19713,7 +19822,19 @@
               <a:rPr lang="en-US" sz="2000" b="1" i="1" dirty="0">
                 <a:cs typeface="Monaco"/>
               </a:rPr>
-              <a:t>Any command help can be displayed by using the -h argument</a:t>
+              <a:t>Any command help can be displayed </a:t>
+            </a:r>
+            <a:r>
+              <a:rPr lang="en-US" sz="2000" b="1" i="1" dirty="0" smtClean="0">
+                <a:cs typeface="Monaco"/>
+              </a:rPr>
+              <a:t>using </a:t>
+            </a:r>
+            <a:r>
+              <a:rPr lang="en-US" sz="2000" b="1" i="1" dirty="0">
+                <a:cs typeface="Monaco"/>
+              </a:rPr>
+              <a:t>the -h argument</a:t>
             </a:r>
             <a:r>
               <a:rPr lang="en-US" sz="2000" b="1" i="1" dirty="0" smtClean="0">
@@ -20109,26 +20230,38 @@
               <a:rPr lang="en-US" sz="2400" dirty="0">
                 <a:cs typeface="Monaco"/>
               </a:rPr>
-              <a:t>saves the changes you did in the current session. A node can be provided to save the state of the this nodes and its descendants only</a:t>
+              <a:t>saves the changes you did in the current session. A node can be provided to save the state of the this </a:t>
             </a:r>
             <a:r>
               <a:rPr lang="en-US" sz="2400" dirty="0" smtClean="0">
                 <a:cs typeface="Monaco"/>
               </a:rPr>
-              <a:t>.</a:t>
-            </a:r>
-          </a:p>
-          <a:p>
-            <a:pPr>
-              <a:lnSpc>
-                <a:spcPct val="100000"/>
-              </a:lnSpc>
-              <a:buSzPct val="25000"/>
-            </a:pPr>
+              <a:t>node </a:t>
+            </a:r>
+            <a:r>
+              <a:rPr lang="en-US" sz="2400" dirty="0">
+                <a:cs typeface="Monaco"/>
+              </a:rPr>
+              <a:t>and its descendants only</a:t>
+            </a:r>
             <a:r>
               <a:rPr lang="en-US" sz="2400" dirty="0" smtClean="0">
                 <a:cs typeface="Monaco"/>
               </a:rPr>
+              <a:t>.</a:t>
+            </a:r>
+          </a:p>
+          <a:p>
+            <a:pPr>
+              <a:lnSpc>
+                <a:spcPct val="100000"/>
+              </a:lnSpc>
+              <a:buSzPct val="25000"/>
+            </a:pPr>
+            <a:r>
+              <a:rPr lang="en-US" sz="2400" dirty="0" smtClean="0">
+                <a:cs typeface="Monaco"/>
+              </a:rPr>
               <a:t> </a:t>
             </a:r>
           </a:p>
@@ -20151,7 +20284,19 @@
               <a:rPr lang="en-US" sz="2400" dirty="0">
                 <a:cs typeface="Monaco"/>
               </a:rPr>
-              <a:t>in order to rollback the changes of the current session. A node can be provided to rollback the state of the this nodes and its descendants only. </a:t>
+              <a:t>in order to rollback the changes of the current session. A node can be provided to rollback the state of the this </a:t>
+            </a:r>
+            <a:r>
+              <a:rPr lang="en-US" sz="2400" dirty="0" smtClean="0">
+                <a:cs typeface="Monaco"/>
+              </a:rPr>
+              <a:t>node </a:t>
+            </a:r>
+            <a:r>
+              <a:rPr lang="en-US" sz="2400" dirty="0">
+                <a:cs typeface="Monaco"/>
+              </a:rPr>
+              <a:t>and its descendants only. </a:t>
             </a:r>
             <a:endParaRPr lang="fr-FR" sz="2400" dirty="0">
               <a:cs typeface="Monaco"/>
@@ -20322,12 +20467,24 @@
               <a:t>Exports a node as an </a:t>
             </a:r>
             <a:r>
+              <a:rPr lang="en-US" sz="2000" dirty="0" err="1" smtClean="0"/>
+              <a:t>nt</a:t>
+            </a:r>
+            <a:r>
               <a:rPr lang="en-US" sz="2000" dirty="0" err="1"/>
-              <a:t>nt</a:t>
+              <a:t>:</a:t>
+            </a:r>
+            <a:r>
+              <a:rPr lang="en-US" sz="2000" dirty="0" err="1" smtClean="0"/>
+              <a:t>file</a:t>
+            </a:r>
+            <a:r>
+              <a:rPr lang="en-US" sz="2000" dirty="0" smtClean="0"/>
+              <a:t> </a:t>
             </a:r>
             <a:r>
               <a:rPr lang="en-US" sz="2000" dirty="0"/>
-              <a:t> file in the same workspace</a:t>
+              <a:t>in the same workspace</a:t>
             </a:r>
             <a:endParaRPr lang="en-US" sz="1400" dirty="0" smtClean="0">
               <a:latin typeface="Monaco"/>
@@ -20514,13 +20671,7 @@
               <a:rPr lang="en-US" sz="2000" b="1" i="1" dirty="0" smtClean="0">
                 <a:cs typeface="Monaco"/>
               </a:rPr>
-              <a:t>Ex</a:t>
-            </a:r>
-            <a:r>
-              <a:rPr lang="en-US" sz="2000" b="1" i="1" dirty="0" smtClean="0">
-                <a:cs typeface="Monaco"/>
-              </a:rPr>
-              <a:t>port a </a:t>
+              <a:t>Export a </a:t>
             </a:r>
             <a:r>
               <a:rPr lang="en-US" sz="2000" b="1" i="1" dirty="0">
@@ -20532,14 +20683,41 @@
               <a:rPr lang="en-US" sz="2000" dirty="0">
                 <a:cs typeface="Monaco"/>
               </a:rPr>
-              <a:t>The following command will export the node /gadgets in the repository portal-system of the portal container portal</a:t>
+              <a:t>The following command will export the node /gadgets in the repository </a:t>
             </a:r>
             <a:r>
               <a:rPr lang="en-US" sz="2000" dirty="0" smtClean="0">
                 <a:cs typeface="Monaco"/>
               </a:rPr>
-              <a:t>:</a:t>
-            </a:r>
+              <a:t>“portal</a:t>
+            </a:r>
+            <a:r>
+              <a:rPr lang="en-US" sz="2000" dirty="0">
+                <a:cs typeface="Monaco"/>
+              </a:rPr>
+              <a:t>-</a:t>
+            </a:r>
+            <a:r>
+              <a:rPr lang="en-US" sz="2000" dirty="0" smtClean="0">
+                <a:cs typeface="Monaco"/>
+              </a:rPr>
+              <a:t>system” </a:t>
+            </a:r>
+            <a:r>
+              <a:rPr lang="en-US" sz="2000" dirty="0">
+                <a:cs typeface="Monaco"/>
+              </a:rPr>
+              <a:t>of the portal container </a:t>
+            </a:r>
+            <a:r>
+              <a:rPr lang="en-US" sz="2000" dirty="0" smtClean="0">
+                <a:cs typeface="Monaco"/>
+              </a:rPr>
+              <a:t>“portal”:</a:t>
+            </a:r>
+            <a:endParaRPr lang="en-US" sz="2000" dirty="0" smtClean="0">
+              <a:cs typeface="Monaco"/>
+            </a:endParaRPr>
           </a:p>
           <a:p>
             <a:pPr>
@@ -20856,7 +21034,14 @@
                 <a:latin typeface="Monaco"/>
                 <a:cs typeface="Monaco"/>
               </a:rPr>
-              <a:t>The exported file format use the JCR system view. You can get more information about that in the JCR specification.</a:t>
+              <a:t>The exported file format use the JCR system view</a:t>
+            </a:r>
+            <a:r>
+              <a:rPr lang="en-US" sz="1400" dirty="0" smtClean="0">
+                <a:latin typeface="Monaco"/>
+                <a:cs typeface="Monaco"/>
+              </a:rPr>
+              <a:t>.</a:t>
             </a:r>
             <a:endParaRPr lang="fr-FR" sz="1400" dirty="0">
               <a:latin typeface="Monaco"/>
@@ -21542,16 +21727,8 @@
               <a:buSzPct val="25000"/>
             </a:pPr>
             <a:r>
-              <a:rPr lang="fr-FR" sz="2400" b="1" dirty="0" smtClean="0"/>
-              <a:t>Session </a:t>
-            </a:r>
-            <a:r>
-              <a:rPr lang="fr-FR" sz="2400" b="1" dirty="0" err="1" smtClean="0"/>
-              <a:t>Leak</a:t>
-            </a:r>
-            <a:r>
-              <a:rPr lang="fr-FR" sz="2400" b="1" dirty="0" smtClean="0"/>
-              <a:t> Detector</a:t>
+              <a:rPr lang="en-US" sz="2400" b="1" dirty="0" smtClean="0"/>
+              <a:t>Session Leak Detector</a:t>
             </a:r>
           </a:p>
           <a:p>
@@ -21561,7 +21738,7 @@
               </a:lnSpc>
               <a:buSzPct val="25000"/>
             </a:pPr>
-            <a:endParaRPr lang="fr-FR" sz="2200" b="1" dirty="0"/>
+            <a:endParaRPr lang="en-US" sz="2200" b="1" dirty="0" smtClean="0"/>
           </a:p>
           <a:p>
             <a:pPr>
@@ -21572,7 +21749,7 @@
             </a:pPr>
             <a:r>
               <a:rPr lang="en-US" sz="2200" b="1" dirty="0" smtClean="0"/>
-              <a:t>The Session Leak Detector allows you to identifies the part of your code that creates a JCR session and never closes it. </a:t>
+              <a:t>The Session Leak Detector allows you to identify the parts of your code that create a JCR session and never disconnects it. </a:t>
             </a:r>
           </a:p>
           <a:p>
@@ -21593,51 +21770,15 @@
             </a:pPr>
             <a:r>
               <a:rPr lang="en-US" sz="2200" b="1" dirty="0" smtClean="0"/>
-              <a:t>To enable it, you simply need to add </a:t>
-            </a:r>
-            <a:r>
-              <a:rPr lang="pl-PL" sz="2200" b="1" dirty="0"/>
-              <a:t>-</a:t>
-            </a:r>
-            <a:r>
-              <a:rPr lang="pl-PL" sz="2200" b="1" dirty="0" err="1"/>
+              <a:t>To enable it, you simply need to add -</a:t>
+            </a:r>
+            <a:r>
+              <a:rPr lang="en-US" sz="2200" b="1" dirty="0" err="1" smtClean="0"/>
               <a:t>Dexo.jcr.session.tracking.active</a:t>
             </a:r>
             <a:r>
-              <a:rPr lang="pl-PL" sz="2200" b="1" dirty="0"/>
-              <a:t>=</a:t>
-            </a:r>
-            <a:r>
-              <a:rPr lang="pl-PL" sz="2200" b="1" dirty="0" err="1" smtClean="0"/>
-              <a:t>true</a:t>
-            </a:r>
-            <a:r>
-              <a:rPr lang="pl-PL" sz="2200" b="1" dirty="0" smtClean="0"/>
-              <a:t> to </a:t>
-            </a:r>
-            <a:r>
-              <a:rPr lang="pl-PL" sz="2200" b="1" dirty="0" err="1" smtClean="0"/>
-              <a:t>your</a:t>
-            </a:r>
-            <a:r>
-              <a:rPr lang="pl-PL" sz="2200" b="1" dirty="0" smtClean="0"/>
-              <a:t> </a:t>
-            </a:r>
-            <a:r>
-              <a:rPr lang="pl-PL" sz="2200" b="1" dirty="0" err="1" smtClean="0"/>
-              <a:t>launch</a:t>
-            </a:r>
-            <a:r>
-              <a:rPr lang="pl-PL" sz="2200" b="1" dirty="0" smtClean="0"/>
-              <a:t> </a:t>
-            </a:r>
-            <a:r>
-              <a:rPr lang="pl-PL" sz="2200" b="1" dirty="0" err="1" smtClean="0"/>
-              <a:t>command</a:t>
-            </a:r>
-            <a:r>
-              <a:rPr lang="pl-PL" sz="2200" b="1" dirty="0" smtClean="0"/>
-              <a:t>. </a:t>
+              <a:rPr lang="en-US" sz="2200" b="1" dirty="0" smtClean="0"/>
+              <a:t>=true to your launch command. </a:t>
             </a:r>
           </a:p>
           <a:p>
@@ -21647,7 +21788,7 @@
               </a:lnSpc>
               <a:buSzPct val="25000"/>
             </a:pPr>
-            <a:endParaRPr lang="pl-PL" sz="2200" b="1" dirty="0"/>
+            <a:endParaRPr lang="en-US" sz="2200" b="1" dirty="0" smtClean="0"/>
           </a:p>
           <a:p>
             <a:pPr>
@@ -21657,95 +21798,15 @@
               <a:buSzPct val="25000"/>
             </a:pPr>
             <a:r>
-              <a:rPr lang="pl-PL" sz="2200" b="1" dirty="0" smtClean="0"/>
-              <a:t>By </a:t>
-            </a:r>
-            <a:r>
-              <a:rPr lang="pl-PL" sz="2200" b="1" dirty="0" err="1" smtClean="0"/>
-              <a:t>default</a:t>
-            </a:r>
-            <a:r>
-              <a:rPr lang="pl-PL" sz="2200" b="1" dirty="0" smtClean="0"/>
-              <a:t> the max </a:t>
-            </a:r>
-            <a:r>
-              <a:rPr lang="pl-PL" sz="2200" b="1" dirty="0" err="1" smtClean="0"/>
-              <a:t>age</a:t>
-            </a:r>
-            <a:r>
-              <a:rPr lang="pl-PL" sz="2200" b="1" dirty="0" smtClean="0"/>
-              <a:t> of </a:t>
-            </a:r>
-            <a:r>
-              <a:rPr lang="pl-PL" sz="2200" b="1" dirty="0" err="1" smtClean="0"/>
-              <a:t>your</a:t>
-            </a:r>
-            <a:r>
-              <a:rPr lang="pl-PL" sz="2200" b="1" dirty="0" smtClean="0"/>
-              <a:t> </a:t>
-            </a:r>
-            <a:r>
-              <a:rPr lang="pl-PL" sz="2200" b="1" dirty="0" err="1" smtClean="0"/>
-              <a:t>session</a:t>
-            </a:r>
-            <a:r>
-              <a:rPr lang="pl-PL" sz="2200" b="1" dirty="0" smtClean="0"/>
-              <a:t> </a:t>
-            </a:r>
-            <a:r>
-              <a:rPr lang="pl-PL" sz="2200" b="1" dirty="0" err="1" smtClean="0"/>
-              <a:t>is</a:t>
-            </a:r>
-            <a:r>
-              <a:rPr lang="pl-PL" sz="2200" b="1" dirty="0" smtClean="0"/>
-              <a:t> 120 s but </a:t>
-            </a:r>
-            <a:r>
-              <a:rPr lang="pl-PL" sz="2200" b="1" dirty="0" err="1" smtClean="0"/>
-              <a:t>you</a:t>
-            </a:r>
-            <a:r>
-              <a:rPr lang="pl-PL" sz="2200" b="1" dirty="0" smtClean="0"/>
-              <a:t> </a:t>
-            </a:r>
-            <a:r>
-              <a:rPr lang="pl-PL" sz="2200" b="1" dirty="0" err="1" smtClean="0"/>
-              <a:t>can</a:t>
-            </a:r>
-            <a:r>
-              <a:rPr lang="pl-PL" sz="2200" b="1" dirty="0" smtClean="0"/>
-              <a:t> </a:t>
-            </a:r>
-            <a:r>
-              <a:rPr lang="pl-PL" sz="2200" b="1" dirty="0" err="1" smtClean="0"/>
-              <a:t>change</a:t>
-            </a:r>
-            <a:r>
-              <a:rPr lang="pl-PL" sz="2200" b="1" dirty="0" smtClean="0"/>
-              <a:t> </a:t>
-            </a:r>
-            <a:r>
-              <a:rPr lang="pl-PL" sz="2200" b="1" dirty="0" err="1" smtClean="0"/>
-              <a:t>it</a:t>
-            </a:r>
-            <a:r>
-              <a:rPr lang="pl-PL" sz="2200" b="1" dirty="0" smtClean="0"/>
-              <a:t> with the system </a:t>
-            </a:r>
-            <a:r>
-              <a:rPr lang="pl-PL" sz="2200" b="1" dirty="0" err="1" smtClean="0"/>
-              <a:t>property</a:t>
-            </a:r>
-            <a:r>
-              <a:rPr lang="pl-PL" sz="2200" b="1" dirty="0"/>
-              <a:t> </a:t>
-            </a:r>
-            <a:r>
-              <a:rPr lang="pl-PL" sz="2200" b="1" dirty="0" err="1" smtClean="0"/>
+              <a:rPr lang="en-US" sz="2200" b="1" dirty="0" smtClean="0"/>
+              <a:t>By default the max age of your session is 120 s but you can change it with the system property </a:t>
+            </a:r>
+            <a:r>
+              <a:rPr lang="en-US" sz="2200" b="1" dirty="0" err="1" smtClean="0"/>
               <a:t>exo.jcr.jcr.session.tracking.maxage</a:t>
             </a:r>
             <a:r>
-              <a:rPr lang="pl-PL" sz="2200" b="1" dirty="0" smtClean="0"/>
+              <a:rPr lang="en-US" sz="2200" b="1" dirty="0" smtClean="0"/>
               <a:t>.</a:t>
             </a:r>
           </a:p>
@@ -21756,7 +21817,7 @@
               </a:lnSpc>
               <a:buSzPct val="25000"/>
             </a:pPr>
-            <a:endParaRPr lang="pl-PL" sz="2200" b="1" dirty="0"/>
+            <a:endParaRPr lang="en-US" sz="2200" b="1" dirty="0" smtClean="0"/>
           </a:p>
           <a:p>
             <a:pPr>
@@ -21766,230 +21827,17 @@
               <a:buSzPct val="25000"/>
             </a:pPr>
             <a:r>
-              <a:rPr lang="pl-PL" sz="2200" b="1" dirty="0" smtClean="0"/>
-              <a:t>The </a:t>
-            </a:r>
-            <a:r>
-              <a:rPr lang="pl-PL" sz="2200" b="1" dirty="0" err="1" smtClean="0"/>
-              <a:t>logic</a:t>
-            </a:r>
-            <a:r>
-              <a:rPr lang="pl-PL" sz="2200" b="1" dirty="0" smtClean="0"/>
-              <a:t> </a:t>
-            </a:r>
-            <a:r>
-              <a:rPr lang="pl-PL" sz="2200" b="1" dirty="0" err="1" smtClean="0"/>
-              <a:t>is</a:t>
-            </a:r>
-            <a:r>
-              <a:rPr lang="pl-PL" sz="2200" b="1" dirty="0" smtClean="0"/>
-              <a:t> </a:t>
-            </a:r>
-            <a:r>
-              <a:rPr lang="pl-PL" sz="2200" b="1" dirty="0" err="1" smtClean="0"/>
-              <a:t>simple</a:t>
-            </a:r>
-            <a:r>
-              <a:rPr lang="pl-PL" sz="2200" b="1" dirty="0" smtClean="0"/>
-              <a:t> </a:t>
-            </a:r>
-            <a:r>
-              <a:rPr lang="pl-PL" sz="2200" b="1" dirty="0" err="1" smtClean="0"/>
-              <a:t>if</a:t>
-            </a:r>
-            <a:r>
-              <a:rPr lang="pl-PL" sz="2200" b="1" dirty="0" smtClean="0"/>
-              <a:t> the </a:t>
-            </a:r>
-            <a:r>
-              <a:rPr lang="pl-PL" sz="2200" b="1" dirty="0" err="1" smtClean="0"/>
-              <a:t>session</a:t>
-            </a:r>
-            <a:r>
-              <a:rPr lang="pl-PL" sz="2200" b="1" dirty="0" smtClean="0"/>
-              <a:t> </a:t>
-            </a:r>
-            <a:r>
-              <a:rPr lang="pl-PL" sz="2200" b="1" dirty="0" err="1" smtClean="0"/>
-              <a:t>is</a:t>
-            </a:r>
-            <a:r>
-              <a:rPr lang="pl-PL" sz="2200" b="1" dirty="0" smtClean="0"/>
-              <a:t> </a:t>
-            </a:r>
-            <a:r>
-              <a:rPr lang="pl-PL" sz="2200" b="1" dirty="0" err="1" smtClean="0"/>
-              <a:t>still</a:t>
-            </a:r>
-            <a:r>
-              <a:rPr lang="pl-PL" sz="2200" b="1" dirty="0" smtClean="0"/>
-              <a:t> open </a:t>
-            </a:r>
-            <a:r>
-              <a:rPr lang="pl-PL" sz="2200" b="1" dirty="0" err="1" smtClean="0"/>
-              <a:t>after</a:t>
-            </a:r>
-            <a:r>
-              <a:rPr lang="pl-PL" sz="2200" b="1" dirty="0" smtClean="0"/>
-              <a:t> the max </a:t>
-            </a:r>
-            <a:r>
-              <a:rPr lang="pl-PL" sz="2200" b="1" dirty="0" err="1" smtClean="0"/>
-              <a:t>age</a:t>
-            </a:r>
-            <a:r>
-              <a:rPr lang="pl-PL" sz="2200" b="1" dirty="0" smtClean="0"/>
-              <a:t>, a </a:t>
-            </a:r>
-            <a:r>
-              <a:rPr lang="pl-PL" sz="2200" b="1" dirty="0" err="1" smtClean="0"/>
-              <a:t>stack</a:t>
-            </a:r>
-            <a:r>
-              <a:rPr lang="pl-PL" sz="2200" b="1" dirty="0" smtClean="0"/>
-              <a:t> </a:t>
-            </a:r>
-            <a:r>
-              <a:rPr lang="pl-PL" sz="2200" b="1" dirty="0" err="1" smtClean="0"/>
-              <a:t>trace</a:t>
-            </a:r>
-            <a:r>
-              <a:rPr lang="pl-PL" sz="2200" b="1" dirty="0" smtClean="0"/>
-              <a:t> </a:t>
-            </a:r>
-            <a:r>
-              <a:rPr lang="pl-PL" sz="2200" b="1" dirty="0" err="1" smtClean="0"/>
-              <a:t>is</a:t>
-            </a:r>
-            <a:r>
-              <a:rPr lang="pl-PL" sz="2200" b="1" dirty="0" smtClean="0"/>
-              <a:t> </a:t>
-            </a:r>
-            <a:r>
-              <a:rPr lang="pl-PL" sz="2200" b="1" dirty="0" err="1" smtClean="0"/>
-              <a:t>printed</a:t>
-            </a:r>
-            <a:r>
-              <a:rPr lang="pl-PL" sz="2200" b="1" dirty="0" smtClean="0"/>
-              <a:t> </a:t>
-            </a:r>
-            <a:r>
-              <a:rPr lang="pl-PL" sz="2200" b="1" dirty="0" err="1" smtClean="0"/>
-              <a:t>into</a:t>
-            </a:r>
-            <a:r>
-              <a:rPr lang="pl-PL" sz="2200" b="1" dirty="0" smtClean="0"/>
-              <a:t> </a:t>
-            </a:r>
-            <a:r>
-              <a:rPr lang="pl-PL" sz="2200" b="1" dirty="0" err="1" smtClean="0"/>
-              <a:t>your</a:t>
-            </a:r>
-            <a:r>
-              <a:rPr lang="pl-PL" sz="2200" b="1" dirty="0" smtClean="0"/>
-              <a:t> log file </a:t>
-            </a:r>
-            <a:r>
-              <a:rPr lang="pl-PL" sz="2200" b="1" dirty="0" err="1" smtClean="0"/>
-              <a:t>allowing</a:t>
-            </a:r>
-            <a:r>
-              <a:rPr lang="pl-PL" sz="2200" b="1" dirty="0" smtClean="0"/>
-              <a:t> </a:t>
-            </a:r>
-            <a:r>
-              <a:rPr lang="pl-PL" sz="2200" b="1" dirty="0" err="1" smtClean="0"/>
-              <a:t>you</a:t>
-            </a:r>
-            <a:r>
-              <a:rPr lang="pl-PL" sz="2200" b="1" dirty="0" smtClean="0"/>
-              <a:t> to </a:t>
-            </a:r>
-            <a:r>
-              <a:rPr lang="pl-PL" sz="2200" b="1" dirty="0" err="1" smtClean="0"/>
-              <a:t>identify</a:t>
-            </a:r>
-            <a:r>
-              <a:rPr lang="pl-PL" sz="2200" b="1" dirty="0" smtClean="0"/>
-              <a:t> the </a:t>
-            </a:r>
-            <a:r>
-              <a:rPr lang="pl-PL" sz="2200" b="1" dirty="0" err="1" smtClean="0"/>
-              <a:t>code</a:t>
-            </a:r>
-            <a:r>
-              <a:rPr lang="pl-PL" sz="2200" b="1" dirty="0" smtClean="0"/>
-              <a:t> </a:t>
-            </a:r>
-            <a:r>
-              <a:rPr lang="pl-PL" sz="2200" b="1" dirty="0" err="1" smtClean="0"/>
-              <a:t>that</a:t>
-            </a:r>
-            <a:r>
-              <a:rPr lang="pl-PL" sz="2200" b="1" dirty="0" smtClean="0"/>
-              <a:t> </a:t>
-            </a:r>
-            <a:r>
-              <a:rPr lang="pl-PL" sz="2200" b="1" dirty="0" err="1" smtClean="0"/>
-              <a:t>created</a:t>
-            </a:r>
-            <a:r>
-              <a:rPr lang="pl-PL" sz="2200" b="1" dirty="0" smtClean="0"/>
-              <a:t> the </a:t>
-            </a:r>
-            <a:r>
-              <a:rPr lang="pl-PL" sz="2200" b="1" dirty="0" err="1" smtClean="0"/>
-              <a:t>session</a:t>
-            </a:r>
-            <a:r>
-              <a:rPr lang="pl-PL" sz="2200" b="1" dirty="0"/>
-              <a:t> </a:t>
-            </a:r>
-            <a:r>
-              <a:rPr lang="pl-PL" sz="2200" b="1" dirty="0" smtClean="0"/>
-              <a:t>and </a:t>
-            </a:r>
-            <a:r>
-              <a:rPr lang="pl-PL" sz="2200" b="1" dirty="0" err="1" smtClean="0"/>
-              <a:t>that</a:t>
-            </a:r>
-            <a:r>
-              <a:rPr lang="pl-PL" sz="2200" b="1" dirty="0" smtClean="0"/>
-              <a:t> </a:t>
-            </a:r>
-            <a:r>
-              <a:rPr lang="pl-PL" sz="2200" b="1" dirty="0" err="1" smtClean="0"/>
-              <a:t>is</a:t>
-            </a:r>
-            <a:r>
-              <a:rPr lang="pl-PL" sz="2200" b="1" dirty="0" smtClean="0"/>
-              <a:t> </a:t>
-            </a:r>
-            <a:r>
-              <a:rPr lang="pl-PL" sz="2200" b="1" dirty="0" err="1" smtClean="0"/>
-              <a:t>supposed</a:t>
-            </a:r>
-            <a:r>
-              <a:rPr lang="pl-PL" sz="2200" b="1" dirty="0" smtClean="0"/>
-              <a:t> to </a:t>
-            </a:r>
-            <a:r>
-              <a:rPr lang="pl-PL" sz="2200" b="1" dirty="0" err="1" smtClean="0"/>
-              <a:t>close</a:t>
-            </a:r>
-            <a:r>
-              <a:rPr lang="pl-PL" sz="2200" b="1" dirty="0" smtClean="0"/>
-              <a:t> </a:t>
-            </a:r>
-            <a:r>
-              <a:rPr lang="pl-PL" sz="2200" b="1" dirty="0" err="1" smtClean="0"/>
-              <a:t>it</a:t>
-            </a:r>
-            <a:r>
-              <a:rPr lang="pl-PL" sz="2200" b="1" dirty="0" smtClean="0"/>
-              <a:t>.</a:t>
-            </a:r>
-            <a:endParaRPr lang="pl-PL" sz="2200" b="1" dirty="0"/>
+              <a:rPr lang="en-US" sz="2200" b="1" dirty="0" smtClean="0"/>
+              <a:t>The logic is simple if the session is still open after the max age, a stack trace is printed into your log file allowing you to identify the code that created the session and that was supposed to </a:t>
+            </a:r>
+            <a:r>
+              <a:rPr lang="en-US" sz="2200" b="1" dirty="0" smtClean="0"/>
+              <a:t>call</a:t>
+            </a:r>
+            <a:r>
+              <a:rPr lang="en-US" sz="2200" b="1" dirty="0" smtClean="0"/>
+              <a:t> the logout method.</a:t>
+            </a:r>
           </a:p>
           <a:p>
             <a:pPr>
@@ -22762,7 +22610,19 @@
               <a:rPr lang="en-US" sz="2400" b="1" i="1" dirty="0" smtClean="0">
                 <a:cs typeface="Monaco"/>
               </a:rPr>
-              <a:t>) that returns the nodes under “training” that contains “developers” and adds the </a:t>
+              <a:t>) that returns the nodes under “training” that </a:t>
+            </a:r>
+            <a:r>
+              <a:rPr lang="en-US" sz="2400" b="1" i="1" dirty="0" smtClean="0">
+                <a:cs typeface="Monaco"/>
+              </a:rPr>
+              <a:t>contain </a:t>
+            </a:r>
+            <a:r>
+              <a:rPr lang="en-US" sz="2400" b="1" i="1" dirty="0" smtClean="0">
+                <a:cs typeface="Monaco"/>
+              </a:rPr>
+              <a:t>“developers” and adds the </a:t>
             </a:r>
             <a:r>
               <a:rPr lang="en-US" sz="2400" b="1" i="1" dirty="0" err="1" smtClean="0">
@@ -22815,35 +22675,32 @@
               <a:rPr lang="en-US" sz="2400" b="1" i="1" dirty="0" smtClean="0">
                 <a:cs typeface="Monaco"/>
               </a:rPr>
-              <a:t>Remove the node “training”</a:t>
-            </a:r>
-          </a:p>
-          <a:p>
-            <a:pPr marL="342900" indent="-342900">
-              <a:lnSpc>
-                <a:spcPct val="100000"/>
-              </a:lnSpc>
-              <a:buSzPct val="25000"/>
-              <a:buFont typeface="Wingdings" charset="2"/>
-              <a:buChar char="u"/>
-            </a:pPr>
+              <a:t>Remove the node “training</a:t>
+            </a:r>
             <a:r>
               <a:rPr lang="en-US" sz="2400" b="1" i="1" dirty="0" smtClean="0">
                 <a:cs typeface="Monaco"/>
               </a:rPr>
-              <a:t>Re-import the node at the </a:t>
-            </a:r>
-            <a:r>
-              <a:rPr lang="en-US" sz="2400" b="1" i="1" smtClean="0">
-                <a:cs typeface="Monaco"/>
-              </a:rPr>
-              <a:t>same place </a:t>
-            </a:r>
+              <a:t>” (don’t forget to commit)</a:t>
+            </a:r>
+            <a:endParaRPr lang="en-US" sz="2400" b="1" i="1" dirty="0" smtClean="0">
+              <a:cs typeface="Monaco"/>
+            </a:endParaRPr>
+          </a:p>
+          <a:p>
+            <a:pPr marL="342900" indent="-342900">
+              <a:lnSpc>
+                <a:spcPct val="100000"/>
+              </a:lnSpc>
+              <a:buSzPct val="25000"/>
+              <a:buFont typeface="Wingdings" charset="2"/>
+              <a:buChar char="u"/>
+            </a:pPr>
             <a:r>
               <a:rPr lang="en-US" sz="2400" b="1" i="1" dirty="0" smtClean="0">
                 <a:cs typeface="Monaco"/>
               </a:rPr>
-              <a:t>(SCP command)</a:t>
+              <a:t>Re-import the node at the same place (SCP command)</a:t>
             </a:r>
           </a:p>
           <a:p>
@@ -23788,7 +23645,15 @@
             </a:r>
             <a:r>
               <a:rPr lang="en-US" sz="2000" b="1" i="1" dirty="0" smtClean="0"/>
-              <a:t> For each query we provide min, max, total, </a:t>
+              <a:t> For each </a:t>
+            </a:r>
+            <a:r>
+              <a:rPr lang="en-US" sz="2000" b="1" i="1" dirty="0" smtClean="0"/>
+              <a:t>query type </a:t>
+            </a:r>
+            <a:r>
+              <a:rPr lang="en-US" sz="2000" b="1" i="1" dirty="0" smtClean="0"/>
+              <a:t>we provide min, max, total, </a:t>
             </a:r>
             <a:r>
               <a:rPr lang="en-US" sz="2000" b="1" i="1" dirty="0" err="1" smtClean="0"/>
@@ -23796,7 +23661,15 @@
             </a:r>
             <a:r>
               <a:rPr lang="en-US" sz="2000" b="1" i="1" dirty="0" smtClean="0"/>
-              <a:t> and times. The average time of each query should not exceed few </a:t>
+              <a:t> and times. The average time of each query </a:t>
+            </a:r>
+            <a:r>
+              <a:rPr lang="en-US" sz="2000" b="1" i="1" dirty="0" smtClean="0"/>
+              <a:t>type should </a:t>
+            </a:r>
+            <a:r>
+              <a:rPr lang="en-US" sz="2000" b="1" i="1" dirty="0" smtClean="0"/>
+              <a:t>not exceed few </a:t>
             </a:r>
             <a:r>
               <a:rPr lang="en-US" sz="2000" b="1" i="1" dirty="0" err="1" smtClean="0"/>
@@ -24024,7 +23897,15 @@
             </a:pPr>
             <a:r>
               <a:rPr lang="en-US" sz="2200" b="1" i="1" dirty="0" smtClean="0"/>
-              <a:t>Provide the explain plan of the queries</a:t>
+              <a:t>Provide the explain </a:t>
+            </a:r>
+            <a:r>
+              <a:rPr lang="en-US" sz="2200" b="1" i="1" dirty="0" smtClean="0"/>
+              <a:t>plan </a:t>
+            </a:r>
+            <a:r>
+              <a:rPr lang="en-US" sz="2200" b="1" i="1" dirty="0" smtClean="0"/>
+              <a:t>of the queries</a:t>
             </a:r>
           </a:p>
           <a:p>
@@ -24038,8 +23919,17 @@
             </a:pPr>
             <a:r>
               <a:rPr lang="en-US" sz="2200" b="1" i="1" dirty="0" smtClean="0"/>
-              <a:t>Provide profiling results</a:t>
-            </a:r>
+              <a:t>Provide </a:t>
+            </a:r>
+            <a:r>
+              <a:rPr lang="en-US" sz="2200" b="1" i="1" smtClean="0"/>
+              <a:t>profiling </a:t>
+            </a:r>
+            <a:r>
+              <a:rPr lang="en-US" sz="2200" b="1" i="1" smtClean="0"/>
+              <a:t>reports</a:t>
+            </a:r>
+            <a:endParaRPr lang="en-US" sz="2200" b="1" i="1" dirty="0" smtClean="0"/>
           </a:p>
           <a:p>
             <a:pPr marL="342900" indent="-342900">

--- a/JPP6-JCR/Day-4.pptx
+++ b/JPP6-JCR/Day-4.pptx
@@ -3842,6 +3842,13 @@
           <a:bodyPr/>
           <a:lstStyle/>
           <a:p>
+            <a:r>
+              <a:rPr lang="fr-FR" dirty="0" smtClean="0"/>
+              <a:t/>
+            </a:r>
+            <a:br>
+              <a:rPr lang="fr-FR" dirty="0" smtClean="0"/>
+            </a:br>
             <a:endParaRPr lang="fr-FR" dirty="0"/>
           </a:p>
         </p:txBody>
@@ -11913,7 +11920,6 @@
               <a:rPr lang="en-US" sz="2000" dirty="0" smtClean="0"/>
               <a:t>automatically disconnected.</a:t>
             </a:r>
-            <a:endParaRPr lang="en-US" sz="2000" dirty="0" smtClean="0"/>
           </a:p>
           <a:p>
             <a:pPr>
@@ -13540,11 +13546,7 @@
             </a:r>
             <a:r>
               <a:rPr lang="en-US" sz="2000" dirty="0" smtClean="0"/>
-              <a:t> structure to use. C</a:t>
-            </a:r>
-            <a:r>
-              <a:rPr lang="en-US" sz="2000" dirty="0" smtClean="0"/>
-              <a:t>an </a:t>
+              <a:t> structure to use. Can </a:t>
             </a:r>
             <a:r>
               <a:rPr lang="en-US" sz="2000" dirty="0"/>
@@ -13554,7 +13556,6 @@
               <a:rPr lang="en-US" sz="2000" dirty="0" smtClean="0"/>
               <a:t>single.</a:t>
             </a:r>
-            <a:endParaRPr lang="en-US" sz="2000" dirty="0" smtClean="0"/>
           </a:p>
           <a:p>
             <a:pPr marL="342900" indent="-342900">
@@ -13664,11 +13665,7 @@
             </a:r>
             <a:r>
               <a:rPr lang="en-US" sz="2000" dirty="0" smtClean="0"/>
-              <a:t>the </a:t>
-            </a:r>
-            <a:r>
-              <a:rPr lang="en-US" sz="2000" dirty="0" smtClean="0"/>
-              <a:t>size of a value </a:t>
+              <a:t>the size of a value </a:t>
             </a:r>
             <a:r>
               <a:rPr lang="en-US" sz="2000" dirty="0"/>
@@ -14936,12 +14933,12 @@
               <a:t>: If you don’t want to enable the LIMIT/OFFSET clauses, you can still use "</a:t>
             </a:r>
             <a:r>
-              <a:rPr lang="en-US" sz="2200" dirty="0"/>
-              <a:t>db2-</a:t>
-            </a:r>
-            <a:r>
               <a:rPr lang="en-US" sz="2200" dirty="0" smtClean="0"/>
-              <a:t>mys” as dialect however please note that the indexing is 120 times slower.</a:t>
+              <a:t>db2” </a:t>
+            </a:r>
+            <a:r>
+              <a:rPr lang="en-US" sz="2200" dirty="0" smtClean="0"/>
+              <a:t>as dialect however please note that the indexing is 120 times slower.</a:t>
             </a:r>
             <a:endParaRPr lang="cs-CZ" sz="2200" dirty="0" smtClean="0">
               <a:solidFill>
@@ -15524,15 +15521,7 @@
             </a:r>
             <a:r>
               <a:rPr lang="en-US" dirty="0" smtClean="0"/>
-              <a:t>It </a:t>
-            </a:r>
-            <a:r>
-              <a:rPr lang="en-US" dirty="0" smtClean="0"/>
-              <a:t>provides important </a:t>
-            </a:r>
-            <a:r>
-              <a:rPr lang="en-US" dirty="0" smtClean="0"/>
-              <a:t>parameters such as the data source name, the dialect (set or detected), the </a:t>
+              <a:t>It provides important parameters such as the data source name, the dialect (set or detected), the </a:t>
             </a:r>
             <a:r>
               <a:rPr lang="en-US" dirty="0" err="1" smtClean="0"/>
@@ -17920,13 +17909,25 @@
               <a:rPr lang="pl-PL" sz="2000" b="1" dirty="0">
                 <a:hlinkClick r:id="rId4"/>
               </a:rPr>
-              <a:t>http://www.crashub.org/</a:t>
+              <a:t>http://www.crashub.org</a:t>
             </a:r>
             <a:r>
               <a:rPr lang="pl-PL" sz="2000" b="1" dirty="0" smtClean="0">
                 <a:hlinkClick r:id="rId4"/>
               </a:rPr>
-              <a:t>doc.html</a:t>
+              <a:t>/</a:t>
+            </a:r>
+            <a:r>
+              <a:rPr lang="pl-PL" sz="2000" b="1" dirty="0" smtClean="0">
+                <a:hlinkClick r:id="rId4"/>
+              </a:rPr>
+              <a:t>reference</a:t>
+            </a:r>
+            <a:r>
+              <a:rPr lang="pl-PL" sz="2000" b="1" dirty="0" smtClean="0">
+                <a:hlinkClick r:id="rId4"/>
+              </a:rPr>
+              <a:t>.html</a:t>
             </a:r>
             <a:endParaRPr lang="pl-PL" sz="2000" b="1" dirty="0" smtClean="0"/>
           </a:p>
@@ -19249,7 +19250,7 @@
               <a:buChar char="u"/>
             </a:pPr>
             <a:r>
-              <a:rPr lang="en-US" sz="3600" b="1" i="1" dirty="0">
+              <a:rPr lang="en-US" sz="3600" b="1" i="1" dirty="0" smtClean="0">
                 <a:solidFill>
                   <a:srgbClr val="4C4C4C"/>
                 </a:solidFill>
@@ -19269,34 +19270,54 @@
               <a:buChar char="u"/>
             </a:pPr>
             <a:r>
-              <a:rPr lang="da-DK" sz="3600" b="1" i="1" dirty="0" err="1">
+              <a:rPr lang="en-US" sz="3600" b="1" i="1" dirty="0" smtClean="0">
                 <a:solidFill>
                   <a:srgbClr val="4C4C4C"/>
                 </a:solidFill>
                 <a:latin typeface="+mj-lt"/>
                 <a:ea typeface="MS Gothic"/>
               </a:rPr>
-              <a:t>Understanding</a:t>
-            </a:r>
-            <a:r>
-              <a:rPr lang="da-DK" sz="3600" b="1" i="1" dirty="0">
+              <a:t>Understanding JCR logs</a:t>
+            </a:r>
+          </a:p>
+          <a:p>
+            <a:pPr marL="914400" lvl="1" indent="-457200">
+              <a:lnSpc>
+                <a:spcPct val="100000"/>
+              </a:lnSpc>
+              <a:buSzPct val="25000"/>
+              <a:buFont typeface="Wingdings" charset="2"/>
+              <a:buChar char="u"/>
+            </a:pPr>
+            <a:r>
+              <a:rPr lang="en-US" sz="3600" b="1" i="1" dirty="0" smtClean="0">
                 <a:solidFill>
                   <a:srgbClr val="4C4C4C"/>
                 </a:solidFill>
                 <a:latin typeface="+mj-lt"/>
                 <a:ea typeface="MS Gothic"/>
               </a:rPr>
-              <a:t> JCR </a:t>
-            </a:r>
-            <a:r>
-              <a:rPr lang="da-DK" sz="3600" b="1" i="1" dirty="0" smtClean="0">
+              <a:t>Checking and ensuring data consistency</a:t>
+            </a:r>
+          </a:p>
+          <a:p>
+            <a:pPr marL="914400" lvl="1" indent="-457200">
+              <a:lnSpc>
+                <a:spcPct val="100000"/>
+              </a:lnSpc>
+              <a:buSzPct val="25000"/>
+              <a:buFont typeface="Wingdings" charset="2"/>
+              <a:buChar char="u"/>
+            </a:pPr>
+            <a:r>
+              <a:rPr lang="en-US" sz="3600" b="1" i="1" dirty="0" smtClean="0">
                 <a:solidFill>
                   <a:srgbClr val="4C4C4C"/>
                 </a:solidFill>
                 <a:latin typeface="+mj-lt"/>
                 <a:ea typeface="MS Gothic"/>
               </a:rPr>
-              <a:t>logs</a:t>
+              <a:t>Tooling</a:t>
             </a:r>
           </a:p>
           <a:p>
@@ -19309,14 +19330,14 @@
               <a:buChar char="u"/>
             </a:pPr>
             <a:r>
-              <a:rPr lang="en-US" sz="3600" b="1" i="1" dirty="0">
+              <a:rPr lang="en-US" sz="3600" b="1" i="1" dirty="0" smtClean="0">
                 <a:solidFill>
                   <a:srgbClr val="4C4C4C"/>
                 </a:solidFill>
                 <a:latin typeface="+mj-lt"/>
                 <a:ea typeface="MS Gothic"/>
               </a:rPr>
-              <a:t>Checking and ensuring data consistency</a:t>
+              <a:t>Exercise</a:t>
             </a:r>
           </a:p>
           <a:p>
@@ -19336,56 +19357,9 @@
                 <a:latin typeface="+mj-lt"/>
                 <a:ea typeface="MS Gothic"/>
               </a:rPr>
-              <a:t>Tooling</a:t>
-            </a:r>
-          </a:p>
-          <a:p>
-            <a:pPr marL="914400" lvl="1" indent="-457200">
-              <a:lnSpc>
-                <a:spcPct val="100000"/>
-              </a:lnSpc>
-              <a:buSzPct val="25000"/>
-              <a:buFont typeface="Wingdings" charset="2"/>
-              <a:buChar char="u"/>
-            </a:pPr>
-            <a:r>
-              <a:rPr lang="en-US" sz="3600" b="1" i="1" dirty="0" smtClean="0">
-                <a:solidFill>
-                  <a:srgbClr val="4C4C4C"/>
-                </a:solidFill>
-                <a:latin typeface="+mj-lt"/>
-                <a:ea typeface="MS Gothic"/>
-              </a:rPr>
-              <a:t>Exercise</a:t>
+              <a:t>Dealing with performance issues</a:t>
             </a:r>
             <a:endParaRPr lang="en-US" sz="3600" b="1" i="1" dirty="0">
-              <a:solidFill>
-                <a:srgbClr val="4C4C4C"/>
-              </a:solidFill>
-              <a:latin typeface="+mj-lt"/>
-              <a:ea typeface="MS Gothic"/>
-            </a:endParaRPr>
-          </a:p>
-          <a:p>
-            <a:pPr marL="914400" lvl="1" indent="-457200">
-              <a:lnSpc>
-                <a:spcPct val="100000"/>
-              </a:lnSpc>
-              <a:buSzPct val="25000"/>
-              <a:buFont typeface="Wingdings" charset="2"/>
-              <a:buChar char="u"/>
-            </a:pPr>
-            <a:r>
-              <a:rPr lang="en-US" sz="3600" b="1" i="1" dirty="0">
-                <a:solidFill>
-                  <a:srgbClr val="4C4C4C"/>
-                </a:solidFill>
-                <a:latin typeface="+mj-lt"/>
-                <a:ea typeface="MS Gothic"/>
-              </a:rPr>
-              <a:t>Dealing with performance issues</a:t>
-            </a:r>
-            <a:endParaRPr sz="3600" b="1" i="1" dirty="0">
               <a:latin typeface="+mj-lt"/>
             </a:endParaRPr>
           </a:p>
@@ -19703,45 +19677,30 @@
               <a:rPr lang="en-US" sz="2000" b="1" i="1" dirty="0" smtClean="0">
                 <a:cs typeface="Monaco"/>
               </a:rPr>
-              <a:t>s command displays </a:t>
+              <a:t>s command displays the properties and sub nodes of the current node</a:t>
+            </a:r>
+          </a:p>
+          <a:p>
+            <a:pPr marL="342900" indent="-342900">
+              <a:lnSpc>
+                <a:spcPct val="100000"/>
+              </a:lnSpc>
+              <a:buSzPct val="25000"/>
+              <a:buFont typeface="Wingdings" charset="2"/>
+              <a:buChar char="u"/>
+            </a:pPr>
+            <a:r>
+              <a:rPr lang="en-US" sz="2000" b="1" i="1" dirty="0">
+                <a:cs typeface="Monaco"/>
+              </a:rPr>
+              <a:t>SQL select command for queries on the JCR (-o for offset and -l for </a:t>
             </a:r>
             <a:r>
               <a:rPr lang="en-US" sz="2000" b="1" i="1" dirty="0" smtClean="0">
                 <a:cs typeface="Monaco"/>
               </a:rPr>
-              <a:t>the </a:t>
-            </a:r>
-            <a:r>
-              <a:rPr lang="en-US" sz="2000" b="1" i="1" dirty="0" smtClean="0">
-                <a:cs typeface="Monaco"/>
-              </a:rPr>
-              <a:t>properties and sub nodes of the current node</a:t>
-            </a:r>
-          </a:p>
-          <a:p>
-            <a:pPr marL="342900" indent="-342900">
-              <a:lnSpc>
-                <a:spcPct val="100000"/>
-              </a:lnSpc>
-              <a:buSzPct val="25000"/>
-              <a:buFont typeface="Wingdings" charset="2"/>
-              <a:buChar char="u"/>
-            </a:pPr>
-            <a:r>
-              <a:rPr lang="en-US" sz="2000" b="1" i="1" dirty="0">
-                <a:cs typeface="Monaco"/>
-              </a:rPr>
-              <a:t>SQL select command for queries on the JCR (-o for offset and -l for </a:t>
-            </a:r>
-            <a:r>
-              <a:rPr lang="en-US" sz="2000" b="1" i="1" dirty="0" smtClean="0">
-                <a:cs typeface="Monaco"/>
-              </a:rPr>
               <a:t>limit)</a:t>
             </a:r>
-            <a:endParaRPr lang="en-US" sz="2000" b="1" i="1" dirty="0" smtClean="0">
-              <a:cs typeface="Monaco"/>
-            </a:endParaRPr>
           </a:p>
           <a:p>
             <a:pPr>
@@ -19755,22 +19714,33 @@
                 <a:latin typeface="Monaco"/>
                 <a:cs typeface="Monaco"/>
               </a:rPr>
-              <a:t>[/]% select * from </a:t>
-            </a:r>
-            <a:r>
-              <a:rPr lang="en-US" sz="1400" dirty="0" err="1">
-                <a:latin typeface="Monaco"/>
-                <a:cs typeface="Monaco"/>
-              </a:rPr>
-              <a:t>nt:base</a:t>
+              <a:t>[/]% </a:t>
             </a:r>
             <a:r>
               <a:rPr lang="en-US" sz="1400" dirty="0">
                 <a:latin typeface="Monaco"/>
                 <a:cs typeface="Monaco"/>
               </a:rPr>
-              <a:t> -o 10 -l 20</a:t>
-            </a:r>
+              <a:t>select -o 10 -l 20 </a:t>
+            </a:r>
+            <a:r>
+              <a:rPr lang="en-US" sz="1400" dirty="0">
+                <a:latin typeface="Monaco"/>
+                <a:cs typeface="Monaco"/>
+              </a:rPr>
+              <a:t>* from </a:t>
+            </a:r>
+            <a:r>
+              <a:rPr lang="en-US" sz="1400" dirty="0" err="1" smtClean="0">
+                <a:latin typeface="Monaco"/>
+                <a:cs typeface="Monaco"/>
+              </a:rPr>
+              <a:t>nt:base</a:t>
+            </a:r>
+            <a:endParaRPr lang="en-US" sz="1400" dirty="0">
+              <a:latin typeface="Monaco"/>
+              <a:cs typeface="Monaco"/>
+            </a:endParaRPr>
           </a:p>
           <a:p>
             <a:pPr>
@@ -20715,9 +20685,6 @@
               </a:rPr>
               <a:t>“portal”:</a:t>
             </a:r>
-            <a:endParaRPr lang="en-US" sz="2000" dirty="0" smtClean="0">
-              <a:cs typeface="Monaco"/>
-            </a:endParaRPr>
           </a:p>
           <a:p>
             <a:pPr>
@@ -21828,15 +21795,7 @@
             </a:pPr>
             <a:r>
               <a:rPr lang="en-US" sz="2200" b="1" dirty="0" smtClean="0"/>
-              <a:t>The logic is simple if the session is still open after the max age, a stack trace is printed into your log file allowing you to identify the code that created the session and that was supposed to </a:t>
-            </a:r>
-            <a:r>
-              <a:rPr lang="en-US" sz="2200" b="1" dirty="0" smtClean="0"/>
-              <a:t>call</a:t>
-            </a:r>
-            <a:r>
-              <a:rPr lang="en-US" sz="2200" b="1" dirty="0" smtClean="0"/>
-              <a:t> the logout method.</a:t>
+              <a:t>The logic is simple if the session is still open after the max age, a stack trace is printed into your log file allowing you to identify the code that created the session and that was supposed to call the logout method.</a:t>
             </a:r>
           </a:p>
           <a:p>
@@ -22610,19 +22569,7 @@
               <a:rPr lang="en-US" sz="2400" b="1" i="1" dirty="0" smtClean="0">
                 <a:cs typeface="Monaco"/>
               </a:rPr>
-              <a:t>) that returns the nodes under “training” that </a:t>
-            </a:r>
-            <a:r>
-              <a:rPr lang="en-US" sz="2400" b="1" i="1" dirty="0" smtClean="0">
-                <a:cs typeface="Monaco"/>
-              </a:rPr>
-              <a:t>contain </a:t>
-            </a:r>
-            <a:r>
-              <a:rPr lang="en-US" sz="2400" b="1" i="1" dirty="0" smtClean="0">
-                <a:cs typeface="Monaco"/>
-              </a:rPr>
-              <a:t>“developers” and adds the </a:t>
+              <a:t>) that returns the nodes under “training” that contain “developers” and adds the </a:t>
             </a:r>
             <a:r>
               <a:rPr lang="en-US" sz="2400" b="1" i="1" dirty="0" err="1" smtClean="0">
@@ -22675,49 +22622,54 @@
               <a:rPr lang="en-US" sz="2400" b="1" i="1" dirty="0" smtClean="0">
                 <a:cs typeface="Monaco"/>
               </a:rPr>
-              <a:t>Remove the node “training</a:t>
-            </a:r>
+              <a:t>Remove the node “training” (don’t forget to commit)</a:t>
+            </a:r>
+          </a:p>
+          <a:p>
+            <a:pPr marL="342900" indent="-342900">
+              <a:lnSpc>
+                <a:spcPct val="100000"/>
+              </a:lnSpc>
+              <a:buSzPct val="25000"/>
+              <a:buFont typeface="Wingdings" charset="2"/>
+              <a:buChar char="u"/>
+            </a:pPr>
             <a:r>
               <a:rPr lang="en-US" sz="2400" b="1" i="1" dirty="0" smtClean="0">
                 <a:cs typeface="Monaco"/>
               </a:rPr>
-              <a:t>” (don’t forget to commit)</a:t>
-            </a:r>
+              <a:t>Re-import the node at the same place (SCP command)</a:t>
+            </a:r>
+          </a:p>
+          <a:p>
+            <a:pPr marL="342900" indent="-342900">
+              <a:lnSpc>
+                <a:spcPct val="100000"/>
+              </a:lnSpc>
+              <a:buSzPct val="25000"/>
+              <a:buFont typeface="Wingdings" charset="2"/>
+              <a:buChar char="u"/>
+            </a:pPr>
+            <a:r>
+              <a:rPr lang="en-US" sz="2400" b="1" i="1" dirty="0" smtClean="0">
+                <a:cs typeface="Monaco"/>
+              </a:rPr>
+              <a:t>Open a new session and browse your nodes to check that everything has been done as expected </a:t>
+            </a:r>
+            <a:r>
+              <a:rPr lang="en-US" sz="2400" b="1" i="1" dirty="0" smtClean="0">
+                <a:cs typeface="Monaco"/>
+              </a:rPr>
+              <a:t/>
+            </a:r>
+            <a:br>
+              <a:rPr lang="en-US" sz="2400" b="1" i="1" dirty="0" smtClean="0">
+                <a:cs typeface="Monaco"/>
+              </a:rPr>
+            </a:br>
             <a:endParaRPr lang="en-US" sz="2400" b="1" i="1" dirty="0" smtClean="0">
               <a:cs typeface="Monaco"/>
             </a:endParaRPr>
-          </a:p>
-          <a:p>
-            <a:pPr marL="342900" indent="-342900">
-              <a:lnSpc>
-                <a:spcPct val="100000"/>
-              </a:lnSpc>
-              <a:buSzPct val="25000"/>
-              <a:buFont typeface="Wingdings" charset="2"/>
-              <a:buChar char="u"/>
-            </a:pPr>
-            <a:r>
-              <a:rPr lang="en-US" sz="2400" b="1" i="1" dirty="0" smtClean="0">
-                <a:cs typeface="Monaco"/>
-              </a:rPr>
-              <a:t>Re-import the node at the same place (SCP command)</a:t>
-            </a:r>
-          </a:p>
-          <a:p>
-            <a:pPr marL="342900" indent="-342900">
-              <a:lnSpc>
-                <a:spcPct val="100000"/>
-              </a:lnSpc>
-              <a:buSzPct val="25000"/>
-              <a:buFont typeface="Wingdings" charset="2"/>
-              <a:buChar char="u"/>
-            </a:pPr>
-            <a:r>
-              <a:rPr lang="en-US" sz="2400" b="1" i="1" dirty="0" smtClean="0">
-                <a:cs typeface="Monaco"/>
-              </a:rPr>
-              <a:t>Open a new session and browse your nodes to check that everything has been done as expected </a:t>
-            </a:r>
           </a:p>
         </p:txBody>
       </p:sp>
@@ -23645,15 +23597,7 @@
             </a:r>
             <a:r>
               <a:rPr lang="en-US" sz="2000" b="1" i="1" dirty="0" smtClean="0"/>
-              <a:t> For each </a:t>
-            </a:r>
-            <a:r>
-              <a:rPr lang="en-US" sz="2000" b="1" i="1" dirty="0" smtClean="0"/>
-              <a:t>query type </a:t>
-            </a:r>
-            <a:r>
-              <a:rPr lang="en-US" sz="2000" b="1" i="1" dirty="0" smtClean="0"/>
-              <a:t>we provide min, max, total, </a:t>
+              <a:t> For each query type we provide min, max, total, </a:t>
             </a:r>
             <a:r>
               <a:rPr lang="en-US" sz="2000" b="1" i="1" dirty="0" err="1" smtClean="0"/>
@@ -23661,15 +23605,7 @@
             </a:r>
             <a:r>
               <a:rPr lang="en-US" sz="2000" b="1" i="1" dirty="0" smtClean="0"/>
-              <a:t> and times. The average time of each query </a:t>
-            </a:r>
-            <a:r>
-              <a:rPr lang="en-US" sz="2000" b="1" i="1" dirty="0" smtClean="0"/>
-              <a:t>type should </a:t>
-            </a:r>
-            <a:r>
-              <a:rPr lang="en-US" sz="2000" b="1" i="1" dirty="0" smtClean="0"/>
-              <a:t>not exceed few </a:t>
+              <a:t> and times. The average time of each query type should not exceed few </a:t>
             </a:r>
             <a:r>
               <a:rPr lang="en-US" sz="2000" b="1" i="1" dirty="0" err="1" smtClean="0"/>
@@ -23897,15 +23833,7 @@
             </a:pPr>
             <a:r>
               <a:rPr lang="en-US" sz="2200" b="1" i="1" dirty="0" smtClean="0"/>
-              <a:t>Provide the explain </a:t>
-            </a:r>
-            <a:r>
-              <a:rPr lang="en-US" sz="2200" b="1" i="1" dirty="0" smtClean="0"/>
-              <a:t>plan </a:t>
-            </a:r>
-            <a:r>
-              <a:rPr lang="en-US" sz="2200" b="1" i="1" dirty="0" smtClean="0"/>
-              <a:t>of the queries</a:t>
+              <a:t>Provide the explain plan of the queries</a:t>
             </a:r>
           </a:p>
           <a:p>
@@ -23923,11 +23851,7 @@
             </a:r>
             <a:r>
               <a:rPr lang="en-US" sz="2200" b="1" i="1" smtClean="0"/>
-              <a:t>profiling </a:t>
-            </a:r>
-            <a:r>
-              <a:rPr lang="en-US" sz="2200" b="1" i="1" smtClean="0"/>
-              <a:t>reports</a:t>
+              <a:t>profiling reports</a:t>
             </a:r>
             <a:endParaRPr lang="en-US" sz="2200" b="1" i="1" dirty="0" smtClean="0"/>
           </a:p>
@@ -26067,14 +25991,14 @@
               <a:buSzPct val="25000"/>
             </a:pPr>
             <a:r>
-              <a:rPr lang="fr-FR" sz="2400" b="1" dirty="0" err="1"/>
+              <a:rPr lang="en-US" sz="2400" b="1" dirty="0" smtClean="0"/>
               <a:t>repository-</a:t>
             </a:r>
             <a:r>
-              <a:rPr lang="fr-FR" sz="2400" b="1" dirty="0" err="1" smtClean="0"/>
+              <a:rPr lang="en-US" sz="2400" b="1" dirty="0" err="1" smtClean="0"/>
               <a:t>configuration.xml</a:t>
             </a:r>
-            <a:endParaRPr lang="fr-FR" sz="2400" b="1" dirty="0" smtClean="0"/>
+            <a:endParaRPr lang="en-US" sz="2400" b="1" dirty="0" smtClean="0"/>
           </a:p>
           <a:p>
             <a:pPr>
@@ -26083,7 +26007,7 @@
               </a:lnSpc>
               <a:buSzPct val="25000"/>
             </a:pPr>
-            <a:endParaRPr lang="en-GB" sz="2400" b="1" dirty="0"/>
+            <a:endParaRPr lang="en-US" sz="2400" b="1" dirty="0" smtClean="0"/>
           </a:p>
           <a:p>
             <a:pPr>
@@ -26130,7 +26054,7 @@
               <a:buChar char="u"/>
             </a:pPr>
             <a:r>
-              <a:rPr lang="cs-CZ" sz="1400" b="1" dirty="0" err="1" smtClean="0">
+              <a:rPr lang="en-US" sz="1400" b="1" dirty="0" err="1" smtClean="0">
                 <a:solidFill>
                   <a:srgbClr val="333333"/>
                 </a:solidFill>
@@ -26201,16 +26125,26 @@
                 </a:solidFill>
                 <a:ea typeface="MS Gothic"/>
               </a:rPr>
-              <a:t>: Refers to the </a:t>
-            </a:r>
-            <a:r>
-              <a:rPr lang="en-US" sz="1400" dirty="0">
-                <a:solidFill>
-                  <a:srgbClr val="333333"/>
-                </a:solidFill>
-                <a:ea typeface="MS Gothic"/>
-              </a:rPr>
-              <a:t>name of the </a:t>
+              <a:t>: Refers to the name of the default workspace (portal-system by default)</a:t>
+            </a:r>
+          </a:p>
+          <a:p>
+            <a:pPr marL="342900" indent="-342900">
+              <a:lnSpc>
+                <a:spcPct val="100000"/>
+              </a:lnSpc>
+              <a:buSzPct val="25000"/>
+              <a:buFont typeface="Wingdings" charset="2"/>
+              <a:buChar char="u"/>
+            </a:pPr>
+            <a:r>
+              <a:rPr lang="en-US" sz="1400" b="1" dirty="0" err="1" smtClean="0">
+                <a:solidFill>
+                  <a:srgbClr val="333333"/>
+                </a:solidFill>
+                <a:ea typeface="MS Gothic"/>
+              </a:rPr>
+              <a:t>portal.container.realm</a:t>
             </a:r>
             <a:r>
               <a:rPr lang="en-US" sz="1400" dirty="0" smtClean="0">
@@ -26219,16 +26153,26 @@
                 </a:solidFill>
                 <a:ea typeface="MS Gothic"/>
               </a:rPr>
-              <a:t>default workspace (portal-system </a:t>
-            </a:r>
-            <a:r>
-              <a:rPr lang="en-US" sz="1400" dirty="0">
-                <a:solidFill>
-                  <a:srgbClr val="333333"/>
-                </a:solidFill>
-                <a:ea typeface="MS Gothic"/>
-              </a:rPr>
-              <a:t>by default</a:t>
+              <a:t>: Refers to the name of the realm of the portal container (internal variable)</a:t>
+            </a:r>
+          </a:p>
+          <a:p>
+            <a:pPr marL="342900" indent="-342900">
+              <a:lnSpc>
+                <a:spcPct val="100000"/>
+              </a:lnSpc>
+              <a:buSzPct val="25000"/>
+              <a:buFont typeface="Wingdings" charset="2"/>
+              <a:buChar char="u"/>
+            </a:pPr>
+            <a:r>
+              <a:rPr lang="en-US" sz="1400" b="1" dirty="0" err="1" smtClean="0">
+                <a:solidFill>
+                  <a:srgbClr val="333333"/>
+                </a:solidFill>
+                <a:ea typeface="MS Gothic"/>
+              </a:rPr>
+              <a:t>gatein.jcr.datasource.name</a:t>
             </a:r>
             <a:r>
               <a:rPr lang="en-US" sz="1400" dirty="0" smtClean="0">
@@ -26237,7 +26181,7 @@
                 </a:solidFill>
                 <a:ea typeface="MS Gothic"/>
               </a:rPr>
-              <a:t>)</a:t>
+              <a:t>: Refers to the name of the data source</a:t>
             </a:r>
           </a:p>
           <a:p>
@@ -26250,94 +26194,22 @@
               <a:buChar char="u"/>
             </a:pPr>
             <a:r>
-              <a:rPr lang="fr-FR" sz="1400" b="1" dirty="0" err="1" smtClean="0">
-                <a:solidFill>
-                  <a:srgbClr val="333333"/>
-                </a:solidFill>
-                <a:ea typeface="MS Gothic"/>
-              </a:rPr>
-              <a:t>portal.container.realm</a:t>
-            </a:r>
-            <a:r>
-              <a:rPr lang="fr-FR" sz="1400" dirty="0" smtClean="0">
-                <a:solidFill>
-                  <a:srgbClr val="333333"/>
-                </a:solidFill>
-                <a:ea typeface="MS Gothic"/>
-              </a:rPr>
-              <a:t>: </a:t>
-            </a:r>
-            <a:r>
-              <a:rPr lang="fr-FR" sz="1400" dirty="0" err="1" smtClean="0">
-                <a:solidFill>
-                  <a:srgbClr val="333333"/>
-                </a:solidFill>
-                <a:ea typeface="MS Gothic"/>
-              </a:rPr>
-              <a:t>Refers</a:t>
-            </a:r>
-            <a:r>
-              <a:rPr lang="fr-FR" sz="1400" dirty="0" smtClean="0">
-                <a:solidFill>
-                  <a:srgbClr val="333333"/>
-                </a:solidFill>
-                <a:ea typeface="MS Gothic"/>
-              </a:rPr>
-              <a:t> to the </a:t>
-            </a:r>
-            <a:r>
-              <a:rPr lang="fr-FR" sz="1400" dirty="0" err="1" smtClean="0">
-                <a:solidFill>
-                  <a:srgbClr val="333333"/>
-                </a:solidFill>
-                <a:ea typeface="MS Gothic"/>
-              </a:rPr>
-              <a:t>name</a:t>
-            </a:r>
-            <a:r>
-              <a:rPr lang="fr-FR" sz="1400" dirty="0" smtClean="0">
-                <a:solidFill>
-                  <a:srgbClr val="333333"/>
-                </a:solidFill>
-                <a:ea typeface="MS Gothic"/>
-              </a:rPr>
-              <a:t> of the </a:t>
-            </a:r>
-            <a:r>
-              <a:rPr lang="fr-FR" sz="1400" dirty="0" err="1" smtClean="0">
-                <a:solidFill>
-                  <a:srgbClr val="333333"/>
-                </a:solidFill>
-                <a:ea typeface="MS Gothic"/>
-              </a:rPr>
-              <a:t>realm</a:t>
-            </a:r>
-            <a:r>
-              <a:rPr lang="fr-FR" sz="1400" dirty="0" smtClean="0">
-                <a:solidFill>
-                  <a:srgbClr val="333333"/>
-                </a:solidFill>
-                <a:ea typeface="MS Gothic"/>
-              </a:rPr>
-              <a:t> of the portal container (</a:t>
-            </a:r>
-            <a:r>
-              <a:rPr lang="fr-FR" sz="1400" dirty="0" err="1" smtClean="0">
-                <a:solidFill>
-                  <a:srgbClr val="333333"/>
-                </a:solidFill>
-                <a:ea typeface="MS Gothic"/>
-              </a:rPr>
-              <a:t>internal</a:t>
-            </a:r>
-            <a:r>
-              <a:rPr lang="fr-FR" sz="1400" dirty="0" smtClean="0">
-                <a:solidFill>
-                  <a:srgbClr val="333333"/>
-                </a:solidFill>
-                <a:ea typeface="MS Gothic"/>
-              </a:rPr>
-              <a:t> variable)</a:t>
+              <a:rPr lang="en-US" sz="1400" b="1" dirty="0" err="1" smtClean="0">
+                <a:solidFill>
+                  <a:srgbClr val="333333"/>
+                </a:solidFill>
+                <a:ea typeface="MS Gothic"/>
+              </a:rPr>
+              <a:t>gatein.jcr.datasource.dialect</a:t>
+            </a:r>
+            <a:r>
+              <a:rPr lang="en-US" sz="1400" dirty="0" smtClean="0">
+                <a:solidFill>
+                  <a:srgbClr val="333333"/>
+                </a:solidFill>
+                <a:ea typeface="MS Gothic"/>
+              </a:rPr>
+              <a:t>: Refers to the name of the dialect</a:t>
             </a:r>
           </a:p>
           <a:p>
@@ -26350,34 +26222,43 @@
               <a:buChar char="u"/>
             </a:pPr>
             <a:r>
-              <a:rPr lang="de-DE" sz="1400" b="1" dirty="0" err="1" smtClean="0">
-                <a:solidFill>
-                  <a:srgbClr val="333333"/>
-                </a:solidFill>
-                <a:ea typeface="MS Gothic"/>
-              </a:rPr>
-              <a:t>gatein.jcr.datasource.name</a:t>
-            </a:r>
-            <a:r>
-              <a:rPr lang="de-DE" sz="1400" dirty="0" smtClean="0">
-                <a:solidFill>
-                  <a:srgbClr val="333333"/>
-                </a:solidFill>
-                <a:ea typeface="MS Gothic"/>
-              </a:rPr>
-              <a:t>: </a:t>
-            </a:r>
-            <a:r>
-              <a:rPr lang="de-DE" sz="1400" dirty="0" err="1" smtClean="0">
-                <a:solidFill>
-                  <a:srgbClr val="333333"/>
-                </a:solidFill>
-                <a:ea typeface="MS Gothic"/>
-              </a:rPr>
-              <a:t>Refers</a:t>
-            </a:r>
-            <a:r>
-              <a:rPr lang="de-DE" sz="1400" dirty="0" smtClean="0">
+              <a:rPr lang="en-US" sz="1400" b="1" dirty="0" err="1" smtClean="0">
+                <a:solidFill>
+                  <a:srgbClr val="333333"/>
+                </a:solidFill>
+                <a:ea typeface="MS Gothic"/>
+              </a:rPr>
+              <a:t>gatein.jcr.db</a:t>
+            </a:r>
+            <a:r>
+              <a:rPr lang="en-US" sz="1400" b="1" dirty="0" smtClean="0">
+                <a:solidFill>
+                  <a:srgbClr val="333333"/>
+                </a:solidFill>
+                <a:ea typeface="MS Gothic"/>
+              </a:rPr>
+              <a:t>-structure-type:</a:t>
+            </a:r>
+            <a:r>
+              <a:rPr lang="en-US" sz="1400" dirty="0" smtClean="0">
+                <a:solidFill>
+                  <a:srgbClr val="333333"/>
+                </a:solidFill>
+                <a:ea typeface="MS Gothic"/>
+              </a:rPr>
+              <a:t> Refers to the type of </a:t>
+            </a:r>
+            <a:r>
+              <a:rPr lang="en-US" sz="1400" dirty="0" err="1" smtClean="0">
+                <a:solidFill>
+                  <a:srgbClr val="333333"/>
+                </a:solidFill>
+                <a:ea typeface="MS Gothic"/>
+              </a:rPr>
+              <a:t>db</a:t>
+            </a:r>
+            <a:r>
+              <a:rPr lang="en-US" sz="1400" dirty="0" smtClean="0">
                 <a:solidFill>
                   <a:srgbClr val="333333"/>
                 </a:solidFill>
@@ -26386,123 +26267,15 @@
               <a:t> </a:t>
             </a:r>
             <a:r>
-              <a:rPr lang="de-DE" sz="1400" dirty="0" err="1" smtClean="0">
-                <a:solidFill>
-                  <a:srgbClr val="333333"/>
-                </a:solidFill>
-                <a:ea typeface="MS Gothic"/>
-              </a:rPr>
-              <a:t>to</a:t>
-            </a:r>
-            <a:r>
-              <a:rPr lang="de-DE" sz="1400" dirty="0" smtClean="0">
-                <a:solidFill>
-                  <a:srgbClr val="333333"/>
-                </a:solidFill>
-                <a:ea typeface="MS Gothic"/>
-              </a:rPr>
-              <a:t> </a:t>
-            </a:r>
-            <a:r>
-              <a:rPr lang="de-DE" sz="1400" dirty="0" err="1" smtClean="0">
-                <a:solidFill>
-                  <a:srgbClr val="333333"/>
-                </a:solidFill>
-                <a:ea typeface="MS Gothic"/>
-              </a:rPr>
-              <a:t>the</a:t>
-            </a:r>
-            <a:r>
-              <a:rPr lang="de-DE" sz="1400" dirty="0" smtClean="0">
-                <a:solidFill>
-                  <a:srgbClr val="333333"/>
-                </a:solidFill>
-                <a:ea typeface="MS Gothic"/>
-              </a:rPr>
-              <a:t> </a:t>
-            </a:r>
-            <a:r>
-              <a:rPr lang="de-DE" sz="1400" dirty="0" err="1" smtClean="0">
-                <a:solidFill>
-                  <a:srgbClr val="333333"/>
-                </a:solidFill>
-                <a:ea typeface="MS Gothic"/>
-              </a:rPr>
-              <a:t>name</a:t>
-            </a:r>
-            <a:r>
-              <a:rPr lang="de-DE" sz="1400" dirty="0" smtClean="0">
-                <a:solidFill>
-                  <a:srgbClr val="333333"/>
-                </a:solidFill>
-                <a:ea typeface="MS Gothic"/>
-              </a:rPr>
-              <a:t> </a:t>
-            </a:r>
-            <a:r>
-              <a:rPr lang="de-DE" sz="1400" dirty="0" err="1" smtClean="0">
-                <a:solidFill>
-                  <a:srgbClr val="333333"/>
-                </a:solidFill>
-                <a:ea typeface="MS Gothic"/>
-              </a:rPr>
-              <a:t>of</a:t>
-            </a:r>
-            <a:r>
-              <a:rPr lang="de-DE" sz="1400" dirty="0" smtClean="0">
-                <a:solidFill>
-                  <a:srgbClr val="333333"/>
-                </a:solidFill>
-                <a:ea typeface="MS Gothic"/>
-              </a:rPr>
-              <a:t> </a:t>
-            </a:r>
-            <a:r>
-              <a:rPr lang="de-DE" sz="1400" dirty="0" err="1" smtClean="0">
-                <a:solidFill>
-                  <a:srgbClr val="333333"/>
-                </a:solidFill>
-                <a:ea typeface="MS Gothic"/>
-              </a:rPr>
-              <a:t>the</a:t>
-            </a:r>
-            <a:r>
-              <a:rPr lang="de-DE" sz="1400" dirty="0" smtClean="0">
-                <a:solidFill>
-                  <a:srgbClr val="333333"/>
-                </a:solidFill>
-                <a:ea typeface="MS Gothic"/>
-              </a:rPr>
-              <a:t> </a:t>
-            </a:r>
-            <a:r>
-              <a:rPr lang="de-DE" sz="1400" dirty="0" err="1" smtClean="0">
-                <a:solidFill>
-                  <a:srgbClr val="333333"/>
-                </a:solidFill>
-                <a:ea typeface="MS Gothic"/>
-              </a:rPr>
-              <a:t>data</a:t>
-            </a:r>
-            <a:r>
-              <a:rPr lang="de-DE" sz="1400" dirty="0" smtClean="0">
-                <a:solidFill>
-                  <a:srgbClr val="333333"/>
-                </a:solidFill>
-                <a:ea typeface="MS Gothic"/>
-              </a:rPr>
-              <a:t> </a:t>
-            </a:r>
-            <a:r>
-              <a:rPr lang="de-DE" sz="1400" dirty="0" err="1" smtClean="0">
-                <a:solidFill>
-                  <a:srgbClr val="333333"/>
-                </a:solidFill>
-                <a:ea typeface="MS Gothic"/>
-              </a:rPr>
-              <a:t>source</a:t>
-            </a:r>
-            <a:endParaRPr lang="de-DE" sz="1400" dirty="0" smtClean="0">
+              <a:rPr lang="en-US" sz="1400" dirty="0" err="1" smtClean="0">
+                <a:solidFill>
+                  <a:srgbClr val="333333"/>
+                </a:solidFill>
+                <a:ea typeface="MS Gothic"/>
+              </a:rPr>
+              <a:t>structrure</a:t>
+            </a:r>
+            <a:endParaRPr lang="en-US" sz="1400" dirty="0" smtClean="0">
               <a:solidFill>
                 <a:srgbClr val="333333"/>
               </a:solidFill>
@@ -26519,16 +26292,273 @@
               <a:buChar char="u"/>
             </a:pPr>
             <a:r>
-              <a:rPr lang="de-DE" sz="1400" b="1" dirty="0" err="1" smtClean="0">
-                <a:solidFill>
-                  <a:srgbClr val="333333"/>
-                </a:solidFill>
-                <a:ea typeface="MS Gothic"/>
-              </a:rPr>
-              <a:t>gatein.jcr.datasource.dialect</a:t>
-            </a:r>
-            <a:r>
-              <a:rPr lang="de-DE" sz="1400" dirty="0" smtClean="0">
+              <a:rPr lang="en-US" sz="1400" b="1" dirty="0" err="1" smtClean="0">
+                <a:solidFill>
+                  <a:srgbClr val="333333"/>
+                </a:solidFill>
+                <a:ea typeface="MS Gothic"/>
+              </a:rPr>
+              <a:t>gatein.jcr.data.dir</a:t>
+            </a:r>
+            <a:r>
+              <a:rPr lang="en-US" sz="1400" b="1" dirty="0" smtClean="0">
+                <a:solidFill>
+                  <a:srgbClr val="333333"/>
+                </a:solidFill>
+                <a:ea typeface="MS Gothic"/>
+              </a:rPr>
+              <a:t>:</a:t>
+            </a:r>
+            <a:r>
+              <a:rPr lang="en-US" sz="1400" dirty="0" smtClean="0">
+                <a:solidFill>
+                  <a:srgbClr val="333333"/>
+                </a:solidFill>
+                <a:ea typeface="MS Gothic"/>
+              </a:rPr>
+              <a:t> Refers to the root directory of the </a:t>
+            </a:r>
+            <a:r>
+              <a:rPr lang="en-US" sz="1400" dirty="0" err="1" smtClean="0">
+                <a:solidFill>
+                  <a:srgbClr val="333333"/>
+                </a:solidFill>
+                <a:ea typeface="MS Gothic"/>
+              </a:rPr>
+              <a:t>jcr</a:t>
+            </a:r>
+            <a:r>
+              <a:rPr lang="en-US" sz="1400" dirty="0" smtClean="0">
+                <a:solidFill>
+                  <a:srgbClr val="333333"/>
+                </a:solidFill>
+                <a:ea typeface="MS Gothic"/>
+              </a:rPr>
+              <a:t> data (swap, values, </a:t>
+            </a:r>
+            <a:r>
+              <a:rPr lang="en-US" sz="1400" dirty="0" err="1" smtClean="0">
+                <a:solidFill>
+                  <a:srgbClr val="333333"/>
+                </a:solidFill>
+                <a:ea typeface="MS Gothic"/>
+              </a:rPr>
+              <a:t>lucene</a:t>
+            </a:r>
+            <a:r>
+              <a:rPr lang="en-US" sz="1400" dirty="0" smtClean="0">
+                <a:solidFill>
+                  <a:srgbClr val="333333"/>
+                </a:solidFill>
+                <a:ea typeface="MS Gothic"/>
+              </a:rPr>
+              <a:t> indexes)</a:t>
+            </a:r>
+          </a:p>
+          <a:p>
+            <a:pPr marL="342900" indent="-342900">
+              <a:lnSpc>
+                <a:spcPct val="100000"/>
+              </a:lnSpc>
+              <a:buSzPct val="25000"/>
+              <a:buFont typeface="Wingdings" charset="2"/>
+              <a:buChar char="u"/>
+            </a:pPr>
+            <a:r>
+              <a:rPr lang="en-US" sz="1400" b="1" dirty="0" err="1" smtClean="0">
+                <a:solidFill>
+                  <a:srgbClr val="333333"/>
+                </a:solidFill>
+                <a:ea typeface="MS Gothic"/>
+              </a:rPr>
+              <a:t>gatein.jcr.storage.data.dir</a:t>
+            </a:r>
+            <a:r>
+              <a:rPr lang="en-US" sz="1400" b="1" dirty="0" smtClean="0">
+                <a:solidFill>
+                  <a:srgbClr val="333333"/>
+                </a:solidFill>
+                <a:ea typeface="MS Gothic"/>
+              </a:rPr>
+              <a:t>:</a:t>
+            </a:r>
+            <a:r>
+              <a:rPr lang="en-US" sz="1400" dirty="0" smtClean="0">
+                <a:solidFill>
+                  <a:srgbClr val="333333"/>
+                </a:solidFill>
+                <a:ea typeface="MS Gothic"/>
+              </a:rPr>
+              <a:t> Refers to the root directory of the binary data (value storage)</a:t>
+            </a:r>
+          </a:p>
+          <a:p>
+            <a:pPr marL="342900" indent="-342900">
+              <a:lnSpc>
+                <a:spcPct val="100000"/>
+              </a:lnSpc>
+              <a:buSzPct val="25000"/>
+              <a:buFont typeface="Wingdings" charset="2"/>
+              <a:buChar char="u"/>
+            </a:pPr>
+            <a:r>
+              <a:rPr lang="en-US" sz="1400" b="1" dirty="0" err="1" smtClean="0">
+                <a:solidFill>
+                  <a:srgbClr val="333333"/>
+                </a:solidFill>
+                <a:ea typeface="MS Gothic"/>
+              </a:rPr>
+              <a:t>gatein.jcr.storage.enabled</a:t>
+            </a:r>
+            <a:r>
+              <a:rPr lang="en-US" sz="1400" b="1" dirty="0" smtClean="0">
+                <a:solidFill>
+                  <a:srgbClr val="333333"/>
+                </a:solidFill>
+                <a:ea typeface="MS Gothic"/>
+              </a:rPr>
+              <a:t>:</a:t>
+            </a:r>
+            <a:r>
+              <a:rPr lang="en-US" sz="1400" dirty="0" smtClean="0">
+                <a:solidFill>
+                  <a:srgbClr val="333333"/>
+                </a:solidFill>
+                <a:ea typeface="MS Gothic"/>
+              </a:rPr>
+              <a:t> Used to disable or not the value storage</a:t>
+            </a:r>
+          </a:p>
+          <a:p>
+            <a:pPr marL="342900" indent="-342900">
+              <a:lnSpc>
+                <a:spcPct val="100000"/>
+              </a:lnSpc>
+              <a:buSzPct val="25000"/>
+              <a:buFont typeface="Wingdings" charset="2"/>
+              <a:buChar char="u"/>
+            </a:pPr>
+            <a:r>
+              <a:rPr lang="en-US" sz="1400" b="1" dirty="0" err="1" smtClean="0">
+                <a:solidFill>
+                  <a:srgbClr val="333333"/>
+                </a:solidFill>
+                <a:ea typeface="MS Gothic"/>
+              </a:rPr>
+              <a:t>gatein.jcr.cache.config</a:t>
+            </a:r>
+            <a:r>
+              <a:rPr lang="en-US" sz="1400" b="1" dirty="0" smtClean="0">
+                <a:solidFill>
+                  <a:srgbClr val="333333"/>
+                </a:solidFill>
+                <a:ea typeface="MS Gothic"/>
+              </a:rPr>
+              <a:t>:</a:t>
+            </a:r>
+            <a:r>
+              <a:rPr lang="en-US" sz="1400" dirty="0" smtClean="0">
+                <a:solidFill>
+                  <a:srgbClr val="333333"/>
+                </a:solidFill>
+                <a:ea typeface="MS Gothic"/>
+              </a:rPr>
+              <a:t> Refers to the </a:t>
+            </a:r>
+            <a:r>
+              <a:rPr lang="en-US" sz="1400" dirty="0" err="1" smtClean="0">
+                <a:solidFill>
+                  <a:srgbClr val="333333"/>
+                </a:solidFill>
+                <a:ea typeface="MS Gothic"/>
+              </a:rPr>
+              <a:t>JBoss</a:t>
+            </a:r>
+            <a:r>
+              <a:rPr lang="en-US" sz="1400" dirty="0" smtClean="0">
+                <a:solidFill>
+                  <a:srgbClr val="333333"/>
+                </a:solidFill>
+                <a:ea typeface="MS Gothic"/>
+              </a:rPr>
+              <a:t> Cache Configuration used by the JCR cache</a:t>
+            </a:r>
+          </a:p>
+          <a:p>
+            <a:pPr marL="342900" indent="-342900">
+              <a:lnSpc>
+                <a:spcPct val="100000"/>
+              </a:lnSpc>
+              <a:buSzPct val="25000"/>
+              <a:buFont typeface="Wingdings" charset="2"/>
+              <a:buChar char="u"/>
+            </a:pPr>
+            <a:r>
+              <a:rPr lang="en-US" sz="1400" b="1" dirty="0" err="1" smtClean="0">
+                <a:solidFill>
+                  <a:srgbClr val="333333"/>
+                </a:solidFill>
+                <a:ea typeface="MS Gothic"/>
+              </a:rPr>
+              <a:t>gatein.jcr.cache.config.workspace.portal</a:t>
+            </a:r>
+            <a:r>
+              <a:rPr lang="en-US" sz="1400" b="1" dirty="0" smtClean="0">
+                <a:solidFill>
+                  <a:srgbClr val="333333"/>
+                </a:solidFill>
+                <a:ea typeface="MS Gothic"/>
+              </a:rPr>
+              <a:t>-system: </a:t>
+            </a:r>
+            <a:r>
+              <a:rPr lang="en-US" sz="1400" dirty="0" smtClean="0">
+                <a:solidFill>
+                  <a:srgbClr val="333333"/>
+                </a:solidFill>
+                <a:ea typeface="MS Gothic"/>
+              </a:rPr>
+              <a:t>Refers to the </a:t>
+            </a:r>
+            <a:r>
+              <a:rPr lang="en-US" sz="1400" dirty="0" err="1" smtClean="0">
+                <a:solidFill>
+                  <a:srgbClr val="333333"/>
+                </a:solidFill>
+                <a:ea typeface="MS Gothic"/>
+              </a:rPr>
+              <a:t>JBoss</a:t>
+            </a:r>
+            <a:r>
+              <a:rPr lang="en-US" sz="1400" dirty="0" smtClean="0">
+                <a:solidFill>
+                  <a:srgbClr val="333333"/>
+                </a:solidFill>
+                <a:ea typeface="MS Gothic"/>
+              </a:rPr>
+              <a:t> Cache Configuration used by the JCR cache of the workspace portal-system</a:t>
+            </a:r>
+          </a:p>
+          <a:p>
+            <a:pPr marL="342900" indent="-342900">
+              <a:lnSpc>
+                <a:spcPct val="100000"/>
+              </a:lnSpc>
+              <a:buSzPct val="25000"/>
+              <a:buFont typeface="Wingdings" charset="2"/>
+              <a:buChar char="u"/>
+            </a:pPr>
+            <a:r>
+              <a:rPr lang="en-US" sz="1400" b="1" dirty="0" err="1" smtClean="0">
+                <a:solidFill>
+                  <a:srgbClr val="333333"/>
+                </a:solidFill>
+                <a:ea typeface="MS Gothic"/>
+              </a:rPr>
+              <a:t>gatein.jcr.index.data.dir</a:t>
+            </a:r>
+            <a:r>
+              <a:rPr lang="en-US" sz="1400" b="1" dirty="0" smtClean="0">
                 <a:solidFill>
                   <a:srgbClr val="333333"/>
                 </a:solidFill>
@@ -26537,123 +26567,245 @@
               <a:t>: </a:t>
             </a:r>
             <a:r>
-              <a:rPr lang="de-DE" sz="1400" dirty="0" err="1" smtClean="0">
-                <a:solidFill>
-                  <a:srgbClr val="333333"/>
-                </a:solidFill>
-                <a:ea typeface="MS Gothic"/>
-              </a:rPr>
-              <a:t>Refers</a:t>
-            </a:r>
-            <a:r>
-              <a:rPr lang="de-DE" sz="1400" dirty="0" smtClean="0">
-                <a:solidFill>
-                  <a:srgbClr val="333333"/>
-                </a:solidFill>
-                <a:ea typeface="MS Gothic"/>
-              </a:rPr>
-              <a:t> </a:t>
-            </a:r>
-            <a:r>
-              <a:rPr lang="de-DE" sz="1400" dirty="0" err="1" smtClean="0">
-                <a:solidFill>
-                  <a:srgbClr val="333333"/>
-                </a:solidFill>
-                <a:ea typeface="MS Gothic"/>
-              </a:rPr>
-              <a:t>to</a:t>
-            </a:r>
-            <a:r>
-              <a:rPr lang="de-DE" sz="1400" dirty="0" smtClean="0">
-                <a:solidFill>
-                  <a:srgbClr val="333333"/>
-                </a:solidFill>
-                <a:ea typeface="MS Gothic"/>
-              </a:rPr>
-              <a:t> </a:t>
-            </a:r>
-            <a:r>
-              <a:rPr lang="de-DE" sz="1400" dirty="0" err="1" smtClean="0">
-                <a:solidFill>
-                  <a:srgbClr val="333333"/>
-                </a:solidFill>
-                <a:ea typeface="MS Gothic"/>
-              </a:rPr>
-              <a:t>the</a:t>
-            </a:r>
-            <a:r>
-              <a:rPr lang="de-DE" sz="1400" dirty="0" smtClean="0">
-                <a:solidFill>
-                  <a:srgbClr val="333333"/>
-                </a:solidFill>
-                <a:ea typeface="MS Gothic"/>
-              </a:rPr>
-              <a:t> </a:t>
-            </a:r>
-            <a:r>
-              <a:rPr lang="de-DE" sz="1400" dirty="0" err="1" smtClean="0">
-                <a:solidFill>
-                  <a:srgbClr val="333333"/>
-                </a:solidFill>
-                <a:ea typeface="MS Gothic"/>
-              </a:rPr>
-              <a:t>name</a:t>
-            </a:r>
-            <a:r>
-              <a:rPr lang="de-DE" sz="1400" dirty="0" smtClean="0">
-                <a:solidFill>
-                  <a:srgbClr val="333333"/>
-                </a:solidFill>
-                <a:ea typeface="MS Gothic"/>
-              </a:rPr>
-              <a:t> </a:t>
-            </a:r>
-            <a:r>
-              <a:rPr lang="de-DE" sz="1400" dirty="0" err="1" smtClean="0">
-                <a:solidFill>
-                  <a:srgbClr val="333333"/>
-                </a:solidFill>
-                <a:ea typeface="MS Gothic"/>
-              </a:rPr>
-              <a:t>of</a:t>
-            </a:r>
-            <a:r>
-              <a:rPr lang="de-DE" sz="1400" dirty="0" smtClean="0">
-                <a:solidFill>
-                  <a:srgbClr val="333333"/>
-                </a:solidFill>
-                <a:ea typeface="MS Gothic"/>
-              </a:rPr>
-              <a:t> </a:t>
-            </a:r>
-            <a:r>
-              <a:rPr lang="de-DE" sz="1400" dirty="0" err="1" smtClean="0">
-                <a:solidFill>
-                  <a:srgbClr val="333333"/>
-                </a:solidFill>
-                <a:ea typeface="MS Gothic"/>
-              </a:rPr>
-              <a:t>the</a:t>
-            </a:r>
-            <a:r>
-              <a:rPr lang="de-DE" sz="1400" dirty="0" smtClean="0">
-                <a:solidFill>
-                  <a:srgbClr val="333333"/>
-                </a:solidFill>
-                <a:ea typeface="MS Gothic"/>
-              </a:rPr>
-              <a:t> </a:t>
-            </a:r>
-            <a:r>
-              <a:rPr lang="de-DE" sz="1400" dirty="0" err="1" smtClean="0">
-                <a:solidFill>
-                  <a:srgbClr val="333333"/>
-                </a:solidFill>
-                <a:ea typeface="MS Gothic"/>
-              </a:rPr>
-              <a:t>dialect</a:t>
-            </a:r>
-            <a:endParaRPr lang="de-DE" sz="1400" dirty="0" smtClean="0">
+              <a:rPr lang="en-US" sz="1400" dirty="0" smtClean="0">
+                <a:solidFill>
+                  <a:srgbClr val="333333"/>
+                </a:solidFill>
+                <a:ea typeface="MS Gothic"/>
+              </a:rPr>
+              <a:t>Refers to the root directory of the </a:t>
+            </a:r>
+            <a:r>
+              <a:rPr lang="en-US" sz="1400" dirty="0" err="1" smtClean="0">
+                <a:solidFill>
+                  <a:srgbClr val="333333"/>
+                </a:solidFill>
+                <a:ea typeface="MS Gothic"/>
+              </a:rPr>
+              <a:t>lucene</a:t>
+            </a:r>
+            <a:r>
+              <a:rPr lang="en-US" sz="1400" dirty="0" smtClean="0">
+                <a:solidFill>
+                  <a:srgbClr val="333333"/>
+                </a:solidFill>
+                <a:ea typeface="MS Gothic"/>
+              </a:rPr>
+              <a:t> indexes</a:t>
+            </a:r>
+          </a:p>
+          <a:p>
+            <a:pPr marL="342900" indent="-342900">
+              <a:lnSpc>
+                <a:spcPct val="100000"/>
+              </a:lnSpc>
+              <a:buSzPct val="25000"/>
+              <a:buFont typeface="Wingdings" charset="2"/>
+              <a:buChar char="u"/>
+            </a:pPr>
+            <a:r>
+              <a:rPr lang="en-US" sz="1400" b="1" dirty="0" err="1" smtClean="0">
+                <a:solidFill>
+                  <a:srgbClr val="333333"/>
+                </a:solidFill>
+                <a:ea typeface="MS Gothic"/>
+              </a:rPr>
+              <a:t>gatein.jcr.index.changefilterclass</a:t>
+            </a:r>
+            <a:r>
+              <a:rPr lang="en-US" sz="1400" b="1" dirty="0" smtClean="0">
+                <a:solidFill>
+                  <a:srgbClr val="333333"/>
+                </a:solidFill>
+                <a:ea typeface="MS Gothic"/>
+              </a:rPr>
+              <a:t>:</a:t>
+            </a:r>
+            <a:r>
+              <a:rPr lang="en-US" sz="1400" dirty="0" smtClean="0">
+                <a:solidFill>
+                  <a:srgbClr val="333333"/>
+                </a:solidFill>
+                <a:ea typeface="MS Gothic"/>
+              </a:rPr>
+              <a:t> Refers to the FQN of the </a:t>
+            </a:r>
+            <a:r>
+              <a:rPr lang="en-US" sz="1400" dirty="0" err="1" smtClean="0">
+                <a:solidFill>
+                  <a:srgbClr val="333333"/>
+                </a:solidFill>
+                <a:ea typeface="MS Gothic"/>
+              </a:rPr>
+              <a:t>IndexerChangesFilter</a:t>
+            </a:r>
+            <a:r>
+              <a:rPr lang="en-US" sz="1400" dirty="0" smtClean="0">
+                <a:solidFill>
+                  <a:srgbClr val="333333"/>
+                </a:solidFill>
+                <a:ea typeface="MS Gothic"/>
+              </a:rPr>
+              <a:t> to use</a:t>
+            </a:r>
+          </a:p>
+          <a:p>
+            <a:pPr marL="342900" indent="-342900">
+              <a:lnSpc>
+                <a:spcPct val="100000"/>
+              </a:lnSpc>
+              <a:buSzPct val="25000"/>
+              <a:buFont typeface="Wingdings" charset="2"/>
+              <a:buChar char="u"/>
+            </a:pPr>
+            <a:r>
+              <a:rPr lang="en-US" sz="1400" b="1" dirty="0" err="1" smtClean="0">
+                <a:solidFill>
+                  <a:srgbClr val="333333"/>
+                </a:solidFill>
+                <a:ea typeface="MS Gothic"/>
+              </a:rPr>
+              <a:t>gatein.jcr.index.cache.config</a:t>
+            </a:r>
+            <a:r>
+              <a:rPr lang="en-US" sz="1400" b="1" dirty="0" smtClean="0">
+                <a:solidFill>
+                  <a:srgbClr val="333333"/>
+                </a:solidFill>
+                <a:ea typeface="MS Gothic"/>
+              </a:rPr>
+              <a:t>:</a:t>
+            </a:r>
+            <a:r>
+              <a:rPr lang="en-US" sz="1400" dirty="0" smtClean="0">
+                <a:solidFill>
+                  <a:srgbClr val="333333"/>
+                </a:solidFill>
+                <a:ea typeface="MS Gothic"/>
+              </a:rPr>
+              <a:t> Refers to the </a:t>
+            </a:r>
+            <a:r>
+              <a:rPr lang="en-US" sz="1400" dirty="0" err="1" smtClean="0">
+                <a:solidFill>
+                  <a:srgbClr val="333333"/>
+                </a:solidFill>
+                <a:ea typeface="MS Gothic"/>
+              </a:rPr>
+              <a:t>JBoss</a:t>
+            </a:r>
+            <a:r>
+              <a:rPr lang="en-US" sz="1400" dirty="0" smtClean="0">
+                <a:solidFill>
+                  <a:srgbClr val="333333"/>
+                </a:solidFill>
+                <a:ea typeface="MS Gothic"/>
+              </a:rPr>
+              <a:t> Cache Configuration used by the Query Handler</a:t>
+            </a:r>
+          </a:p>
+          <a:p>
+            <a:pPr marL="342900" indent="-342900">
+              <a:lnSpc>
+                <a:spcPct val="100000"/>
+              </a:lnSpc>
+              <a:buSzPct val="25000"/>
+              <a:buFont typeface="Wingdings" charset="2"/>
+              <a:buChar char="u"/>
+            </a:pPr>
+            <a:r>
+              <a:rPr lang="en-US" sz="1400" b="1" dirty="0" err="1" smtClean="0">
+                <a:solidFill>
+                  <a:srgbClr val="333333"/>
+                </a:solidFill>
+                <a:ea typeface="MS Gothic"/>
+              </a:rPr>
+              <a:t>gatein.jcr.lock.cache.config</a:t>
+            </a:r>
+            <a:r>
+              <a:rPr lang="en-US" sz="1400" dirty="0" smtClean="0">
+                <a:solidFill>
+                  <a:srgbClr val="333333"/>
+                </a:solidFill>
+                <a:ea typeface="MS Gothic"/>
+              </a:rPr>
+              <a:t>: Refers to the </a:t>
+            </a:r>
+            <a:r>
+              <a:rPr lang="en-US" sz="1400" dirty="0" err="1" smtClean="0">
+                <a:solidFill>
+                  <a:srgbClr val="333333"/>
+                </a:solidFill>
+                <a:ea typeface="MS Gothic"/>
+              </a:rPr>
+              <a:t>JBoss</a:t>
+            </a:r>
+            <a:r>
+              <a:rPr lang="en-US" sz="1400" dirty="0" smtClean="0">
+                <a:solidFill>
+                  <a:srgbClr val="333333"/>
+                </a:solidFill>
+                <a:ea typeface="MS Gothic"/>
+              </a:rPr>
+              <a:t> Cache Configuration used by the Lock Manager</a:t>
+            </a:r>
+          </a:p>
+          <a:p>
+            <a:pPr marL="342900" indent="-342900">
+              <a:lnSpc>
+                <a:spcPct val="100000"/>
+              </a:lnSpc>
+              <a:buSzPct val="25000"/>
+              <a:buFont typeface="Wingdings" charset="2"/>
+              <a:buChar char="u"/>
+            </a:pPr>
+            <a:r>
+              <a:rPr lang="en-US" sz="1400" b="1" dirty="0" err="1" smtClean="0">
+                <a:solidFill>
+                  <a:srgbClr val="333333"/>
+                </a:solidFill>
+                <a:ea typeface="MS Gothic"/>
+              </a:rPr>
+              <a:t>gatein.jcr.jgroups.config</a:t>
+            </a:r>
+            <a:r>
+              <a:rPr lang="en-US" sz="1400" dirty="0" smtClean="0">
+                <a:solidFill>
+                  <a:srgbClr val="333333"/>
+                </a:solidFill>
+                <a:ea typeface="MS Gothic"/>
+              </a:rPr>
+              <a:t>: Refers to the </a:t>
+            </a:r>
+            <a:r>
+              <a:rPr lang="en-US" sz="1400" dirty="0" err="1" smtClean="0">
+                <a:solidFill>
+                  <a:srgbClr val="333333"/>
+                </a:solidFill>
+                <a:ea typeface="MS Gothic"/>
+              </a:rPr>
+              <a:t>JGroups</a:t>
+            </a:r>
+            <a:r>
+              <a:rPr lang="en-US" sz="1400" dirty="0" smtClean="0">
+                <a:solidFill>
+                  <a:srgbClr val="333333"/>
+                </a:solidFill>
+                <a:ea typeface="MS Gothic"/>
+              </a:rPr>
+              <a:t> configuration</a:t>
+            </a:r>
+          </a:p>
+          <a:p>
+            <a:pPr marL="342900" indent="-342900">
+              <a:lnSpc>
+                <a:spcPct val="100000"/>
+              </a:lnSpc>
+              <a:buSzPct val="25000"/>
+              <a:buFont typeface="Wingdings" charset="2"/>
+              <a:buChar char="u"/>
+            </a:pPr>
+            <a:endParaRPr lang="en-US" sz="1400" dirty="0" smtClean="0">
               <a:solidFill>
                 <a:srgbClr val="333333"/>
               </a:solidFill>
@@ -26669,841 +26821,7 @@
               <a:buFont typeface="Wingdings" charset="2"/>
               <a:buChar char="u"/>
             </a:pPr>
-            <a:r>
-              <a:rPr lang="is-IS" sz="1400" b="1" dirty="0">
-                <a:solidFill>
-                  <a:srgbClr val="333333"/>
-                </a:solidFill>
-                <a:ea typeface="MS Gothic"/>
-              </a:rPr>
-              <a:t>gatein.jcr.db-structure-</a:t>
-            </a:r>
-            <a:r>
-              <a:rPr lang="is-IS" sz="1400" b="1" dirty="0" smtClean="0">
-                <a:solidFill>
-                  <a:srgbClr val="333333"/>
-                </a:solidFill>
-                <a:ea typeface="MS Gothic"/>
-              </a:rPr>
-              <a:t>type:</a:t>
-            </a:r>
-            <a:r>
-              <a:rPr lang="is-IS" sz="1400" dirty="0" smtClean="0">
-                <a:solidFill>
-                  <a:srgbClr val="333333"/>
-                </a:solidFill>
-                <a:ea typeface="MS Gothic"/>
-              </a:rPr>
-              <a:t> Refers to the type of db structrure</a:t>
-            </a:r>
-          </a:p>
-          <a:p>
-            <a:pPr marL="342900" indent="-342900">
-              <a:lnSpc>
-                <a:spcPct val="100000"/>
-              </a:lnSpc>
-              <a:buSzPct val="25000"/>
-              <a:buFont typeface="Wingdings" charset="2"/>
-              <a:buChar char="u"/>
-            </a:pPr>
-            <a:r>
-              <a:rPr lang="cs-CZ" sz="1400" b="1" dirty="0" err="1" smtClean="0">
-                <a:solidFill>
-                  <a:srgbClr val="333333"/>
-                </a:solidFill>
-                <a:ea typeface="MS Gothic"/>
-              </a:rPr>
-              <a:t>gatein.jcr.data.dir</a:t>
-            </a:r>
-            <a:r>
-              <a:rPr lang="cs-CZ" sz="1400" b="1" dirty="0" smtClean="0">
-                <a:solidFill>
-                  <a:srgbClr val="333333"/>
-                </a:solidFill>
-                <a:ea typeface="MS Gothic"/>
-              </a:rPr>
-              <a:t>:</a:t>
-            </a:r>
-            <a:r>
-              <a:rPr lang="cs-CZ" sz="1400" dirty="0" smtClean="0">
-                <a:solidFill>
-                  <a:srgbClr val="333333"/>
-                </a:solidFill>
-                <a:ea typeface="MS Gothic"/>
-              </a:rPr>
-              <a:t> </a:t>
-            </a:r>
-            <a:r>
-              <a:rPr lang="cs-CZ" sz="1400" dirty="0" err="1" smtClean="0">
-                <a:solidFill>
-                  <a:srgbClr val="333333"/>
-                </a:solidFill>
-                <a:ea typeface="MS Gothic"/>
-              </a:rPr>
-              <a:t>Refers</a:t>
-            </a:r>
-            <a:r>
-              <a:rPr lang="cs-CZ" sz="1400" dirty="0" smtClean="0">
-                <a:solidFill>
-                  <a:srgbClr val="333333"/>
-                </a:solidFill>
-                <a:ea typeface="MS Gothic"/>
-              </a:rPr>
-              <a:t> to </a:t>
-            </a:r>
-            <a:r>
-              <a:rPr lang="cs-CZ" sz="1400" dirty="0" err="1" smtClean="0">
-                <a:solidFill>
-                  <a:srgbClr val="333333"/>
-                </a:solidFill>
-                <a:ea typeface="MS Gothic"/>
-              </a:rPr>
-              <a:t>the</a:t>
-            </a:r>
-            <a:r>
-              <a:rPr lang="cs-CZ" sz="1400" dirty="0" smtClean="0">
-                <a:solidFill>
-                  <a:srgbClr val="333333"/>
-                </a:solidFill>
-                <a:ea typeface="MS Gothic"/>
-              </a:rPr>
-              <a:t> </a:t>
-            </a:r>
-            <a:r>
-              <a:rPr lang="cs-CZ" sz="1400" dirty="0" err="1" smtClean="0">
-                <a:solidFill>
-                  <a:srgbClr val="333333"/>
-                </a:solidFill>
-                <a:ea typeface="MS Gothic"/>
-              </a:rPr>
-              <a:t>root</a:t>
-            </a:r>
-            <a:r>
-              <a:rPr lang="cs-CZ" sz="1400" dirty="0" smtClean="0">
-                <a:solidFill>
-                  <a:srgbClr val="333333"/>
-                </a:solidFill>
-                <a:ea typeface="MS Gothic"/>
-              </a:rPr>
-              <a:t> </a:t>
-            </a:r>
-            <a:r>
-              <a:rPr lang="cs-CZ" sz="1400" dirty="0" err="1" smtClean="0">
-                <a:solidFill>
-                  <a:srgbClr val="333333"/>
-                </a:solidFill>
-                <a:ea typeface="MS Gothic"/>
-              </a:rPr>
-              <a:t>directory</a:t>
-            </a:r>
-            <a:r>
-              <a:rPr lang="cs-CZ" sz="1400" dirty="0" smtClean="0">
-                <a:solidFill>
-                  <a:srgbClr val="333333"/>
-                </a:solidFill>
-                <a:ea typeface="MS Gothic"/>
-              </a:rPr>
-              <a:t> </a:t>
-            </a:r>
-            <a:r>
-              <a:rPr lang="cs-CZ" sz="1400" dirty="0" err="1" smtClean="0">
-                <a:solidFill>
-                  <a:srgbClr val="333333"/>
-                </a:solidFill>
-                <a:ea typeface="MS Gothic"/>
-              </a:rPr>
-              <a:t>of</a:t>
-            </a:r>
-            <a:r>
-              <a:rPr lang="cs-CZ" sz="1400" dirty="0" smtClean="0">
-                <a:solidFill>
-                  <a:srgbClr val="333333"/>
-                </a:solidFill>
-                <a:ea typeface="MS Gothic"/>
-              </a:rPr>
-              <a:t> </a:t>
-            </a:r>
-            <a:r>
-              <a:rPr lang="cs-CZ" sz="1400" dirty="0" err="1" smtClean="0">
-                <a:solidFill>
-                  <a:srgbClr val="333333"/>
-                </a:solidFill>
-                <a:ea typeface="MS Gothic"/>
-              </a:rPr>
-              <a:t>the</a:t>
-            </a:r>
-            <a:r>
-              <a:rPr lang="cs-CZ" sz="1400" dirty="0" smtClean="0">
-                <a:solidFill>
-                  <a:srgbClr val="333333"/>
-                </a:solidFill>
-                <a:ea typeface="MS Gothic"/>
-              </a:rPr>
-              <a:t> </a:t>
-            </a:r>
-            <a:r>
-              <a:rPr lang="cs-CZ" sz="1400" dirty="0" err="1" smtClean="0">
-                <a:solidFill>
-                  <a:srgbClr val="333333"/>
-                </a:solidFill>
-                <a:ea typeface="MS Gothic"/>
-              </a:rPr>
-              <a:t>jcr</a:t>
-            </a:r>
-            <a:r>
-              <a:rPr lang="cs-CZ" sz="1400" dirty="0" smtClean="0">
-                <a:solidFill>
-                  <a:srgbClr val="333333"/>
-                </a:solidFill>
-                <a:ea typeface="MS Gothic"/>
-              </a:rPr>
-              <a:t> data (swap, </a:t>
-            </a:r>
-            <a:r>
-              <a:rPr lang="cs-CZ" sz="1400" dirty="0" err="1" smtClean="0">
-                <a:solidFill>
-                  <a:srgbClr val="333333"/>
-                </a:solidFill>
-                <a:ea typeface="MS Gothic"/>
-              </a:rPr>
-              <a:t>values</a:t>
-            </a:r>
-            <a:r>
-              <a:rPr lang="cs-CZ" sz="1400" dirty="0" smtClean="0">
-                <a:solidFill>
-                  <a:srgbClr val="333333"/>
-                </a:solidFill>
-                <a:ea typeface="MS Gothic"/>
-              </a:rPr>
-              <a:t>, </a:t>
-            </a:r>
-            <a:r>
-              <a:rPr lang="cs-CZ" sz="1400" dirty="0" err="1" smtClean="0">
-                <a:solidFill>
-                  <a:srgbClr val="333333"/>
-                </a:solidFill>
-                <a:ea typeface="MS Gothic"/>
-              </a:rPr>
-              <a:t>lucene</a:t>
-            </a:r>
-            <a:r>
-              <a:rPr lang="cs-CZ" sz="1400" dirty="0" smtClean="0">
-                <a:solidFill>
-                  <a:srgbClr val="333333"/>
-                </a:solidFill>
-                <a:ea typeface="MS Gothic"/>
-              </a:rPr>
-              <a:t> </a:t>
-            </a:r>
-            <a:r>
-              <a:rPr lang="cs-CZ" sz="1400" dirty="0" err="1" smtClean="0">
-                <a:solidFill>
-                  <a:srgbClr val="333333"/>
-                </a:solidFill>
-                <a:ea typeface="MS Gothic"/>
-              </a:rPr>
-              <a:t>indexes</a:t>
-            </a:r>
-            <a:r>
-              <a:rPr lang="cs-CZ" sz="1400" dirty="0" smtClean="0">
-                <a:solidFill>
-                  <a:srgbClr val="333333"/>
-                </a:solidFill>
-                <a:ea typeface="MS Gothic"/>
-              </a:rPr>
-              <a:t>)</a:t>
-            </a:r>
-          </a:p>
-          <a:p>
-            <a:pPr marL="342900" indent="-342900">
-              <a:lnSpc>
-                <a:spcPct val="100000"/>
-              </a:lnSpc>
-              <a:buSzPct val="25000"/>
-              <a:buFont typeface="Wingdings" charset="2"/>
-              <a:buChar char="u"/>
-            </a:pPr>
-            <a:r>
-              <a:rPr lang="sv-SE" sz="1400" b="1" dirty="0" err="1" smtClean="0">
-                <a:solidFill>
-                  <a:srgbClr val="333333"/>
-                </a:solidFill>
-                <a:ea typeface="MS Gothic"/>
-              </a:rPr>
-              <a:t>gatein.jcr.storage.data.dir</a:t>
-            </a:r>
-            <a:r>
-              <a:rPr lang="sv-SE" sz="1400" b="1" dirty="0" smtClean="0">
-                <a:solidFill>
-                  <a:srgbClr val="333333"/>
-                </a:solidFill>
-                <a:ea typeface="MS Gothic"/>
-              </a:rPr>
-              <a:t>:</a:t>
-            </a:r>
-            <a:r>
-              <a:rPr lang="sv-SE" sz="1400" dirty="0" smtClean="0">
-                <a:solidFill>
-                  <a:srgbClr val="333333"/>
-                </a:solidFill>
-                <a:ea typeface="MS Gothic"/>
-              </a:rPr>
-              <a:t> </a:t>
-            </a:r>
-            <a:r>
-              <a:rPr lang="sv-SE" sz="1400" dirty="0" err="1" smtClean="0">
-                <a:solidFill>
-                  <a:srgbClr val="333333"/>
-                </a:solidFill>
-                <a:ea typeface="MS Gothic"/>
-              </a:rPr>
-              <a:t>Refers</a:t>
-            </a:r>
-            <a:r>
-              <a:rPr lang="sv-SE" sz="1400" dirty="0" smtClean="0">
-                <a:solidFill>
-                  <a:srgbClr val="333333"/>
-                </a:solidFill>
-                <a:ea typeface="MS Gothic"/>
-              </a:rPr>
-              <a:t> </a:t>
-            </a:r>
-            <a:r>
-              <a:rPr lang="sv-SE" sz="1400" dirty="0" err="1" smtClean="0">
-                <a:solidFill>
-                  <a:srgbClr val="333333"/>
-                </a:solidFill>
-                <a:ea typeface="MS Gothic"/>
-              </a:rPr>
-              <a:t>to</a:t>
-            </a:r>
-            <a:r>
-              <a:rPr lang="sv-SE" sz="1400" dirty="0" smtClean="0">
-                <a:solidFill>
-                  <a:srgbClr val="333333"/>
-                </a:solidFill>
-                <a:ea typeface="MS Gothic"/>
-              </a:rPr>
-              <a:t> the </a:t>
-            </a:r>
-            <a:r>
-              <a:rPr lang="sv-SE" sz="1400" dirty="0" err="1" smtClean="0">
-                <a:solidFill>
-                  <a:srgbClr val="333333"/>
-                </a:solidFill>
-                <a:ea typeface="MS Gothic"/>
-              </a:rPr>
-              <a:t>root</a:t>
-            </a:r>
-            <a:r>
-              <a:rPr lang="sv-SE" sz="1400" dirty="0" smtClean="0">
-                <a:solidFill>
-                  <a:srgbClr val="333333"/>
-                </a:solidFill>
-                <a:ea typeface="MS Gothic"/>
-              </a:rPr>
-              <a:t> directory </a:t>
-            </a:r>
-            <a:r>
-              <a:rPr lang="sv-SE" sz="1400" dirty="0" err="1" smtClean="0">
-                <a:solidFill>
-                  <a:srgbClr val="333333"/>
-                </a:solidFill>
-                <a:ea typeface="MS Gothic"/>
-              </a:rPr>
-              <a:t>of</a:t>
-            </a:r>
-            <a:r>
-              <a:rPr lang="sv-SE" sz="1400" dirty="0" smtClean="0">
-                <a:solidFill>
-                  <a:srgbClr val="333333"/>
-                </a:solidFill>
-                <a:ea typeface="MS Gothic"/>
-              </a:rPr>
-              <a:t> the </a:t>
-            </a:r>
-            <a:r>
-              <a:rPr lang="sv-SE" sz="1400" dirty="0" err="1" smtClean="0">
-                <a:solidFill>
-                  <a:srgbClr val="333333"/>
-                </a:solidFill>
-                <a:ea typeface="MS Gothic"/>
-              </a:rPr>
-              <a:t>binary</a:t>
-            </a:r>
-            <a:r>
-              <a:rPr lang="sv-SE" sz="1400" dirty="0" smtClean="0">
-                <a:solidFill>
-                  <a:srgbClr val="333333"/>
-                </a:solidFill>
-                <a:ea typeface="MS Gothic"/>
-              </a:rPr>
-              <a:t> data (</a:t>
-            </a:r>
-            <a:r>
-              <a:rPr lang="sv-SE" sz="1400" dirty="0" err="1" smtClean="0">
-                <a:solidFill>
-                  <a:srgbClr val="333333"/>
-                </a:solidFill>
-                <a:ea typeface="MS Gothic"/>
-              </a:rPr>
-              <a:t>value</a:t>
-            </a:r>
-            <a:r>
-              <a:rPr lang="sv-SE" sz="1400" dirty="0" smtClean="0">
-                <a:solidFill>
-                  <a:srgbClr val="333333"/>
-                </a:solidFill>
-                <a:ea typeface="MS Gothic"/>
-              </a:rPr>
-              <a:t> </a:t>
-            </a:r>
-            <a:r>
-              <a:rPr lang="sv-SE" sz="1400" dirty="0" err="1" smtClean="0">
-                <a:solidFill>
-                  <a:srgbClr val="333333"/>
-                </a:solidFill>
-                <a:ea typeface="MS Gothic"/>
-              </a:rPr>
-              <a:t>storage</a:t>
-            </a:r>
-            <a:r>
-              <a:rPr lang="sv-SE" sz="1400" dirty="0" smtClean="0">
-                <a:solidFill>
-                  <a:srgbClr val="333333"/>
-                </a:solidFill>
-                <a:ea typeface="MS Gothic"/>
-              </a:rPr>
-              <a:t>)</a:t>
-            </a:r>
-          </a:p>
-          <a:p>
-            <a:pPr marL="342900" indent="-342900">
-              <a:lnSpc>
-                <a:spcPct val="100000"/>
-              </a:lnSpc>
-              <a:buSzPct val="25000"/>
-              <a:buFont typeface="Wingdings" charset="2"/>
-              <a:buChar char="u"/>
-            </a:pPr>
-            <a:r>
-              <a:rPr lang="hr-HR" sz="1400" b="1" dirty="0" smtClean="0">
-                <a:solidFill>
-                  <a:srgbClr val="333333"/>
-                </a:solidFill>
-                <a:ea typeface="MS Gothic"/>
-              </a:rPr>
-              <a:t>gatein.jcr.storage.enabled:</a:t>
-            </a:r>
-            <a:r>
-              <a:rPr lang="hr-HR" sz="1400" dirty="0" smtClean="0">
-                <a:solidFill>
-                  <a:srgbClr val="333333"/>
-                </a:solidFill>
-                <a:ea typeface="MS Gothic"/>
-              </a:rPr>
-              <a:t> Used to disable or not the value storage</a:t>
-            </a:r>
-          </a:p>
-          <a:p>
-            <a:pPr marL="342900" indent="-342900">
-              <a:lnSpc>
-                <a:spcPct val="100000"/>
-              </a:lnSpc>
-              <a:buSzPct val="25000"/>
-              <a:buFont typeface="Wingdings" charset="2"/>
-              <a:buChar char="u"/>
-            </a:pPr>
-            <a:r>
-              <a:rPr lang="pl-PL" sz="1400" b="1" dirty="0" err="1" smtClean="0">
-                <a:solidFill>
-                  <a:srgbClr val="333333"/>
-                </a:solidFill>
-                <a:ea typeface="MS Gothic"/>
-              </a:rPr>
-              <a:t>gatein.jcr.cache.config</a:t>
-            </a:r>
-            <a:r>
-              <a:rPr lang="pl-PL" sz="1400" b="1" dirty="0" smtClean="0">
-                <a:solidFill>
-                  <a:srgbClr val="333333"/>
-                </a:solidFill>
-                <a:ea typeface="MS Gothic"/>
-              </a:rPr>
-              <a:t>:</a:t>
-            </a:r>
-            <a:r>
-              <a:rPr lang="pl-PL" sz="1400" dirty="0" smtClean="0">
-                <a:solidFill>
-                  <a:srgbClr val="333333"/>
-                </a:solidFill>
-                <a:ea typeface="MS Gothic"/>
-              </a:rPr>
-              <a:t> </a:t>
-            </a:r>
-            <a:r>
-              <a:rPr lang="pl-PL" sz="1400" dirty="0" err="1" smtClean="0">
-                <a:solidFill>
-                  <a:srgbClr val="333333"/>
-                </a:solidFill>
-                <a:ea typeface="MS Gothic"/>
-              </a:rPr>
-              <a:t>Refers</a:t>
-            </a:r>
-            <a:r>
-              <a:rPr lang="pl-PL" sz="1400" dirty="0" smtClean="0">
-                <a:solidFill>
-                  <a:srgbClr val="333333"/>
-                </a:solidFill>
-                <a:ea typeface="MS Gothic"/>
-              </a:rPr>
-              <a:t> to the J</a:t>
-            </a:r>
-            <a:r>
-              <a:rPr lang="fr-FR" sz="1400" dirty="0" smtClean="0">
-                <a:solidFill>
-                  <a:srgbClr val="333333"/>
-                </a:solidFill>
-                <a:ea typeface="MS Gothic"/>
-              </a:rPr>
-              <a:t>B</a:t>
-            </a:r>
-            <a:r>
-              <a:rPr lang="pl-PL" sz="1400" dirty="0" err="1" smtClean="0">
-                <a:solidFill>
-                  <a:srgbClr val="333333"/>
-                </a:solidFill>
-                <a:ea typeface="MS Gothic"/>
-              </a:rPr>
-              <a:t>oss</a:t>
-            </a:r>
-            <a:r>
-              <a:rPr lang="pl-PL" sz="1400" dirty="0" smtClean="0">
-                <a:solidFill>
-                  <a:srgbClr val="333333"/>
-                </a:solidFill>
-                <a:ea typeface="MS Gothic"/>
-              </a:rPr>
-              <a:t> Cache </a:t>
-            </a:r>
-            <a:r>
-              <a:rPr lang="pl-PL" sz="1400" dirty="0" err="1" smtClean="0">
-                <a:solidFill>
-                  <a:srgbClr val="333333"/>
-                </a:solidFill>
-                <a:ea typeface="MS Gothic"/>
-              </a:rPr>
-              <a:t>Configuration</a:t>
-            </a:r>
-            <a:r>
-              <a:rPr lang="pl-PL" sz="1400" dirty="0" smtClean="0">
-                <a:solidFill>
-                  <a:srgbClr val="333333"/>
-                </a:solidFill>
-                <a:ea typeface="MS Gothic"/>
-              </a:rPr>
-              <a:t> </a:t>
-            </a:r>
-            <a:r>
-              <a:rPr lang="pl-PL" sz="1400" dirty="0" err="1" smtClean="0">
-                <a:solidFill>
-                  <a:srgbClr val="333333"/>
-                </a:solidFill>
-                <a:ea typeface="MS Gothic"/>
-              </a:rPr>
-              <a:t>used</a:t>
-            </a:r>
-            <a:r>
-              <a:rPr lang="pl-PL" sz="1400" dirty="0" smtClean="0">
-                <a:solidFill>
-                  <a:srgbClr val="333333"/>
-                </a:solidFill>
-                <a:ea typeface="MS Gothic"/>
-              </a:rPr>
-              <a:t> for the JCR cache</a:t>
-            </a:r>
-          </a:p>
-          <a:p>
-            <a:pPr marL="342900" indent="-342900">
-              <a:lnSpc>
-                <a:spcPct val="100000"/>
-              </a:lnSpc>
-              <a:buSzPct val="25000"/>
-              <a:buFont typeface="Wingdings" charset="2"/>
-              <a:buChar char="u"/>
-            </a:pPr>
-            <a:r>
-              <a:rPr lang="en-US" sz="1400" b="1" dirty="0" err="1" smtClean="0">
-                <a:solidFill>
-                  <a:srgbClr val="333333"/>
-                </a:solidFill>
-                <a:ea typeface="MS Gothic"/>
-              </a:rPr>
-              <a:t>gatein.jcr.cache.config.workspace.portal</a:t>
-            </a:r>
-            <a:r>
-              <a:rPr lang="en-US" sz="1400" b="1" dirty="0" smtClean="0">
-                <a:solidFill>
-                  <a:srgbClr val="333333"/>
-                </a:solidFill>
-                <a:ea typeface="MS Gothic"/>
-              </a:rPr>
-              <a:t>-system: </a:t>
-            </a:r>
-            <a:r>
-              <a:rPr lang="en-US" sz="1400" dirty="0" smtClean="0">
-                <a:solidFill>
-                  <a:srgbClr val="333333"/>
-                </a:solidFill>
-                <a:ea typeface="MS Gothic"/>
-              </a:rPr>
-              <a:t>R</a:t>
-            </a:r>
-            <a:r>
-              <a:rPr lang="pl-PL" sz="1400" dirty="0" err="1" smtClean="0">
-                <a:solidFill>
-                  <a:srgbClr val="333333"/>
-                </a:solidFill>
-                <a:ea typeface="MS Gothic"/>
-              </a:rPr>
-              <a:t>efers</a:t>
-            </a:r>
-            <a:r>
-              <a:rPr lang="pl-PL" sz="1400" dirty="0" smtClean="0">
-                <a:solidFill>
-                  <a:srgbClr val="333333"/>
-                </a:solidFill>
-                <a:ea typeface="MS Gothic"/>
-              </a:rPr>
-              <a:t> </a:t>
-            </a:r>
-            <a:r>
-              <a:rPr lang="pl-PL" sz="1400" dirty="0">
-                <a:solidFill>
-                  <a:srgbClr val="333333"/>
-                </a:solidFill>
-                <a:ea typeface="MS Gothic"/>
-              </a:rPr>
-              <a:t>to the </a:t>
-            </a:r>
-            <a:r>
-              <a:rPr lang="pl-PL" sz="1400" dirty="0" smtClean="0">
-                <a:solidFill>
-                  <a:srgbClr val="333333"/>
-                </a:solidFill>
-                <a:ea typeface="MS Gothic"/>
-              </a:rPr>
-              <a:t>J</a:t>
-            </a:r>
-            <a:r>
-              <a:rPr lang="fr-FR" sz="1400" dirty="0" smtClean="0">
-                <a:solidFill>
-                  <a:srgbClr val="333333"/>
-                </a:solidFill>
-                <a:ea typeface="MS Gothic"/>
-              </a:rPr>
-              <a:t>B</a:t>
-            </a:r>
-            <a:r>
-              <a:rPr lang="pl-PL" sz="1400" dirty="0" err="1" smtClean="0">
-                <a:solidFill>
-                  <a:srgbClr val="333333"/>
-                </a:solidFill>
-                <a:ea typeface="MS Gothic"/>
-              </a:rPr>
-              <a:t>oss</a:t>
-            </a:r>
-            <a:r>
-              <a:rPr lang="pl-PL" sz="1400" dirty="0" smtClean="0">
-                <a:solidFill>
-                  <a:srgbClr val="333333"/>
-                </a:solidFill>
-                <a:ea typeface="MS Gothic"/>
-              </a:rPr>
-              <a:t> </a:t>
-            </a:r>
-            <a:r>
-              <a:rPr lang="pl-PL" sz="1400" dirty="0">
-                <a:solidFill>
-                  <a:srgbClr val="333333"/>
-                </a:solidFill>
-                <a:ea typeface="MS Gothic"/>
-              </a:rPr>
-              <a:t>Cache </a:t>
-            </a:r>
-            <a:r>
-              <a:rPr lang="pl-PL" sz="1400" dirty="0" err="1">
-                <a:solidFill>
-                  <a:srgbClr val="333333"/>
-                </a:solidFill>
-                <a:ea typeface="MS Gothic"/>
-              </a:rPr>
-              <a:t>Configuration</a:t>
-            </a:r>
-            <a:r>
-              <a:rPr lang="pl-PL" sz="1400" dirty="0">
-                <a:solidFill>
-                  <a:srgbClr val="333333"/>
-                </a:solidFill>
-                <a:ea typeface="MS Gothic"/>
-              </a:rPr>
-              <a:t> </a:t>
-            </a:r>
-            <a:r>
-              <a:rPr lang="pl-PL" sz="1400" dirty="0" err="1">
-                <a:solidFill>
-                  <a:srgbClr val="333333"/>
-                </a:solidFill>
-                <a:ea typeface="MS Gothic"/>
-              </a:rPr>
-              <a:t>used</a:t>
-            </a:r>
-            <a:r>
-              <a:rPr lang="pl-PL" sz="1400" dirty="0">
-                <a:solidFill>
-                  <a:srgbClr val="333333"/>
-                </a:solidFill>
-                <a:ea typeface="MS Gothic"/>
-              </a:rPr>
-              <a:t> for the JCR </a:t>
-            </a:r>
-            <a:r>
-              <a:rPr lang="pl-PL" sz="1400" dirty="0" smtClean="0">
-                <a:solidFill>
-                  <a:srgbClr val="333333"/>
-                </a:solidFill>
-                <a:ea typeface="MS Gothic"/>
-              </a:rPr>
-              <a:t>cache of the </a:t>
-            </a:r>
-            <a:r>
-              <a:rPr lang="pl-PL" sz="1400" dirty="0" err="1" smtClean="0">
-                <a:solidFill>
-                  <a:srgbClr val="333333"/>
-                </a:solidFill>
-                <a:ea typeface="MS Gothic"/>
-              </a:rPr>
-              <a:t>workspace</a:t>
-            </a:r>
-            <a:r>
-              <a:rPr lang="pl-PL" sz="1400" dirty="0" smtClean="0">
-                <a:solidFill>
-                  <a:srgbClr val="333333"/>
-                </a:solidFill>
-                <a:ea typeface="MS Gothic"/>
-              </a:rPr>
-              <a:t> portal-system</a:t>
-            </a:r>
-          </a:p>
-          <a:p>
-            <a:pPr marL="342900" indent="-342900">
-              <a:lnSpc>
-                <a:spcPct val="100000"/>
-              </a:lnSpc>
-              <a:buSzPct val="25000"/>
-              <a:buFont typeface="Wingdings" charset="2"/>
-              <a:buChar char="u"/>
-            </a:pPr>
-            <a:r>
-              <a:rPr lang="pl-PL" sz="1400" b="1" dirty="0" err="1" smtClean="0">
-                <a:solidFill>
-                  <a:srgbClr val="333333"/>
-                </a:solidFill>
-                <a:ea typeface="MS Gothic"/>
-              </a:rPr>
-              <a:t>gatein.jcr.index.data.dir</a:t>
-            </a:r>
-            <a:r>
-              <a:rPr lang="pl-PL" sz="1400" b="1" dirty="0" smtClean="0">
-                <a:solidFill>
-                  <a:srgbClr val="333333"/>
-                </a:solidFill>
-                <a:ea typeface="MS Gothic"/>
-              </a:rPr>
-              <a:t>: </a:t>
-            </a:r>
-            <a:r>
-              <a:rPr lang="pl-PL" sz="1400" dirty="0" err="1" smtClean="0">
-                <a:solidFill>
-                  <a:srgbClr val="333333"/>
-                </a:solidFill>
-                <a:ea typeface="MS Gothic"/>
-              </a:rPr>
-              <a:t>Refers</a:t>
-            </a:r>
-            <a:r>
-              <a:rPr lang="pl-PL" sz="1400" dirty="0" smtClean="0">
-                <a:solidFill>
-                  <a:srgbClr val="333333"/>
-                </a:solidFill>
-                <a:ea typeface="MS Gothic"/>
-              </a:rPr>
-              <a:t> to the </a:t>
-            </a:r>
-            <a:r>
-              <a:rPr lang="pl-PL" sz="1400" dirty="0" err="1" smtClean="0">
-                <a:solidFill>
-                  <a:srgbClr val="333333"/>
-                </a:solidFill>
-                <a:ea typeface="MS Gothic"/>
-              </a:rPr>
-              <a:t>root</a:t>
-            </a:r>
-            <a:r>
-              <a:rPr lang="pl-PL" sz="1400" dirty="0" smtClean="0">
-                <a:solidFill>
-                  <a:srgbClr val="333333"/>
-                </a:solidFill>
-                <a:ea typeface="MS Gothic"/>
-              </a:rPr>
-              <a:t> </a:t>
-            </a:r>
-            <a:r>
-              <a:rPr lang="pl-PL" sz="1400" dirty="0" err="1" smtClean="0">
-                <a:solidFill>
-                  <a:srgbClr val="333333"/>
-                </a:solidFill>
-                <a:ea typeface="MS Gothic"/>
-              </a:rPr>
-              <a:t>directory</a:t>
-            </a:r>
-            <a:r>
-              <a:rPr lang="pl-PL" sz="1400" dirty="0" smtClean="0">
-                <a:solidFill>
-                  <a:srgbClr val="333333"/>
-                </a:solidFill>
-                <a:ea typeface="MS Gothic"/>
-              </a:rPr>
-              <a:t> of the </a:t>
-            </a:r>
-            <a:r>
-              <a:rPr lang="pl-PL" sz="1400" dirty="0" err="1" smtClean="0">
-                <a:solidFill>
-                  <a:srgbClr val="333333"/>
-                </a:solidFill>
-                <a:ea typeface="MS Gothic"/>
-              </a:rPr>
-              <a:t>lucene</a:t>
-            </a:r>
-            <a:r>
-              <a:rPr lang="pl-PL" sz="1400" dirty="0" smtClean="0">
-                <a:solidFill>
-                  <a:srgbClr val="333333"/>
-                </a:solidFill>
-                <a:ea typeface="MS Gothic"/>
-              </a:rPr>
-              <a:t> </a:t>
-            </a:r>
-            <a:r>
-              <a:rPr lang="pl-PL" sz="1400" dirty="0" err="1" smtClean="0">
-                <a:solidFill>
-                  <a:srgbClr val="333333"/>
-                </a:solidFill>
-                <a:ea typeface="MS Gothic"/>
-              </a:rPr>
-              <a:t>indexes</a:t>
-            </a:r>
-            <a:endParaRPr lang="pl-PL" sz="1400" dirty="0" smtClean="0">
+            <a:endParaRPr lang="en-US" sz="1400" dirty="0" smtClean="0">
               <a:solidFill>
                 <a:srgbClr val="333333"/>
               </a:solidFill>
@@ -27519,458 +26837,7 @@
               <a:buFont typeface="Wingdings" charset="2"/>
               <a:buChar char="u"/>
             </a:pPr>
-            <a:r>
-              <a:rPr lang="pl-PL" sz="1400" b="1" dirty="0" err="1" smtClean="0">
-                <a:solidFill>
-                  <a:srgbClr val="333333"/>
-                </a:solidFill>
-                <a:ea typeface="MS Gothic"/>
-              </a:rPr>
-              <a:t>gatein.jcr.index.changefilterclass</a:t>
-            </a:r>
-            <a:r>
-              <a:rPr lang="pl-PL" sz="1400" b="1" dirty="0" smtClean="0">
-                <a:solidFill>
-                  <a:srgbClr val="333333"/>
-                </a:solidFill>
-                <a:ea typeface="MS Gothic"/>
-              </a:rPr>
-              <a:t>:</a:t>
-            </a:r>
-            <a:r>
-              <a:rPr lang="pl-PL" sz="1400" dirty="0" smtClean="0">
-                <a:solidFill>
-                  <a:srgbClr val="333333"/>
-                </a:solidFill>
-                <a:ea typeface="MS Gothic"/>
-              </a:rPr>
-              <a:t> </a:t>
-            </a:r>
-            <a:r>
-              <a:rPr lang="pl-PL" sz="1400" dirty="0" err="1" smtClean="0">
-                <a:solidFill>
-                  <a:srgbClr val="333333"/>
-                </a:solidFill>
-                <a:ea typeface="MS Gothic"/>
-              </a:rPr>
-              <a:t>Refers</a:t>
-            </a:r>
-            <a:r>
-              <a:rPr lang="pl-PL" sz="1400" dirty="0" smtClean="0">
-                <a:solidFill>
-                  <a:srgbClr val="333333"/>
-                </a:solidFill>
-                <a:ea typeface="MS Gothic"/>
-              </a:rPr>
-              <a:t> to the FQN of the </a:t>
-            </a:r>
-            <a:r>
-              <a:rPr lang="pl-PL" sz="1400" dirty="0" err="1" smtClean="0">
-                <a:solidFill>
-                  <a:srgbClr val="333333"/>
-                </a:solidFill>
-                <a:ea typeface="MS Gothic"/>
-              </a:rPr>
-              <a:t>IndexerChangesFilter</a:t>
-            </a:r>
-            <a:r>
-              <a:rPr lang="pl-PL" sz="1400" dirty="0" smtClean="0">
-                <a:solidFill>
-                  <a:srgbClr val="333333"/>
-                </a:solidFill>
-                <a:ea typeface="MS Gothic"/>
-              </a:rPr>
-              <a:t> to </a:t>
-            </a:r>
-            <a:r>
-              <a:rPr lang="pl-PL" sz="1400" dirty="0" err="1" smtClean="0">
-                <a:solidFill>
-                  <a:srgbClr val="333333"/>
-                </a:solidFill>
-                <a:ea typeface="MS Gothic"/>
-              </a:rPr>
-              <a:t>use</a:t>
-            </a:r>
-            <a:endParaRPr lang="pl-PL" sz="1400" dirty="0" smtClean="0">
-              <a:solidFill>
-                <a:srgbClr val="333333"/>
-              </a:solidFill>
-              <a:ea typeface="MS Gothic"/>
-            </a:endParaRPr>
-          </a:p>
-          <a:p>
-            <a:pPr marL="342900" indent="-342900">
-              <a:lnSpc>
-                <a:spcPct val="100000"/>
-              </a:lnSpc>
-              <a:buSzPct val="25000"/>
-              <a:buFont typeface="Wingdings" charset="2"/>
-              <a:buChar char="u"/>
-            </a:pPr>
-            <a:r>
-              <a:rPr lang="pl-PL" sz="1400" b="1" dirty="0" err="1" smtClean="0">
-                <a:solidFill>
-                  <a:srgbClr val="333333"/>
-                </a:solidFill>
-                <a:ea typeface="MS Gothic"/>
-              </a:rPr>
-              <a:t>gatein.jcr.index.cache.config</a:t>
-            </a:r>
-            <a:r>
-              <a:rPr lang="pl-PL" sz="1400" b="1" dirty="0" smtClean="0">
-                <a:solidFill>
-                  <a:srgbClr val="333333"/>
-                </a:solidFill>
-                <a:ea typeface="MS Gothic"/>
-              </a:rPr>
-              <a:t>:</a:t>
-            </a:r>
-            <a:r>
-              <a:rPr lang="pl-PL" sz="1400" dirty="0" smtClean="0">
-                <a:solidFill>
-                  <a:srgbClr val="333333"/>
-                </a:solidFill>
-                <a:ea typeface="MS Gothic"/>
-              </a:rPr>
-              <a:t> </a:t>
-            </a:r>
-            <a:r>
-              <a:rPr lang="pl-PL" sz="1400" dirty="0" err="1" smtClean="0">
-                <a:solidFill>
-                  <a:srgbClr val="333333"/>
-                </a:solidFill>
-                <a:ea typeface="MS Gothic"/>
-              </a:rPr>
-              <a:t>Refers</a:t>
-            </a:r>
-            <a:r>
-              <a:rPr lang="pl-PL" sz="1400" dirty="0" smtClean="0">
-                <a:solidFill>
-                  <a:srgbClr val="333333"/>
-                </a:solidFill>
-                <a:ea typeface="MS Gothic"/>
-              </a:rPr>
-              <a:t> </a:t>
-            </a:r>
-            <a:r>
-              <a:rPr lang="pl-PL" sz="1400" dirty="0">
-                <a:solidFill>
-                  <a:srgbClr val="333333"/>
-                </a:solidFill>
-                <a:ea typeface="MS Gothic"/>
-              </a:rPr>
-              <a:t>to the J</a:t>
-            </a:r>
-            <a:r>
-              <a:rPr lang="fr-FR" sz="1400" dirty="0">
-                <a:solidFill>
-                  <a:srgbClr val="333333"/>
-                </a:solidFill>
-                <a:ea typeface="MS Gothic"/>
-              </a:rPr>
-              <a:t>B</a:t>
-            </a:r>
-            <a:r>
-              <a:rPr lang="pl-PL" sz="1400" dirty="0" err="1">
-                <a:solidFill>
-                  <a:srgbClr val="333333"/>
-                </a:solidFill>
-                <a:ea typeface="MS Gothic"/>
-              </a:rPr>
-              <a:t>oss</a:t>
-            </a:r>
-            <a:r>
-              <a:rPr lang="pl-PL" sz="1400" dirty="0">
-                <a:solidFill>
-                  <a:srgbClr val="333333"/>
-                </a:solidFill>
-                <a:ea typeface="MS Gothic"/>
-              </a:rPr>
-              <a:t> Cache </a:t>
-            </a:r>
-            <a:r>
-              <a:rPr lang="pl-PL" sz="1400" dirty="0" err="1">
-                <a:solidFill>
-                  <a:srgbClr val="333333"/>
-                </a:solidFill>
-                <a:ea typeface="MS Gothic"/>
-              </a:rPr>
-              <a:t>Configuration</a:t>
-            </a:r>
-            <a:r>
-              <a:rPr lang="pl-PL" sz="1400" dirty="0">
-                <a:solidFill>
-                  <a:srgbClr val="333333"/>
-                </a:solidFill>
-                <a:ea typeface="MS Gothic"/>
-              </a:rPr>
-              <a:t> </a:t>
-            </a:r>
-            <a:r>
-              <a:rPr lang="pl-PL" sz="1400" dirty="0" err="1">
-                <a:solidFill>
-                  <a:srgbClr val="333333"/>
-                </a:solidFill>
-                <a:ea typeface="MS Gothic"/>
-              </a:rPr>
-              <a:t>used</a:t>
-            </a:r>
-            <a:r>
-              <a:rPr lang="pl-PL" sz="1400" dirty="0">
-                <a:solidFill>
-                  <a:srgbClr val="333333"/>
-                </a:solidFill>
-                <a:ea typeface="MS Gothic"/>
-              </a:rPr>
-              <a:t> for </a:t>
-            </a:r>
-            <a:r>
-              <a:rPr lang="pl-PL" sz="1400" dirty="0" smtClean="0">
-                <a:solidFill>
-                  <a:srgbClr val="333333"/>
-                </a:solidFill>
-                <a:ea typeface="MS Gothic"/>
-              </a:rPr>
-              <a:t>the Query Handler</a:t>
-            </a:r>
-            <a:endParaRPr lang="pl-PL" sz="1400" dirty="0">
-              <a:solidFill>
-                <a:srgbClr val="333333"/>
-              </a:solidFill>
-              <a:ea typeface="MS Gothic"/>
-            </a:endParaRPr>
-          </a:p>
-          <a:p>
-            <a:pPr marL="342900" indent="-342900">
-              <a:lnSpc>
-                <a:spcPct val="100000"/>
-              </a:lnSpc>
-              <a:buSzPct val="25000"/>
-              <a:buFont typeface="Wingdings" charset="2"/>
-              <a:buChar char="u"/>
-            </a:pPr>
-            <a:r>
-              <a:rPr lang="pl-PL" sz="1400" b="1" dirty="0" err="1" smtClean="0">
-                <a:solidFill>
-                  <a:srgbClr val="333333"/>
-                </a:solidFill>
-                <a:ea typeface="MS Gothic"/>
-              </a:rPr>
-              <a:t>gatein.jcr.lock.cache.config</a:t>
-            </a:r>
-            <a:r>
-              <a:rPr lang="pl-PL" sz="1400" dirty="0" smtClean="0">
-                <a:solidFill>
-                  <a:srgbClr val="333333"/>
-                </a:solidFill>
-                <a:ea typeface="MS Gothic"/>
-              </a:rPr>
-              <a:t>: </a:t>
-            </a:r>
-            <a:r>
-              <a:rPr lang="pl-PL" sz="1400" dirty="0" err="1">
-                <a:solidFill>
-                  <a:srgbClr val="333333"/>
-                </a:solidFill>
-                <a:ea typeface="MS Gothic"/>
-              </a:rPr>
-              <a:t>Refers</a:t>
-            </a:r>
-            <a:r>
-              <a:rPr lang="pl-PL" sz="1400" dirty="0">
-                <a:solidFill>
-                  <a:srgbClr val="333333"/>
-                </a:solidFill>
-                <a:ea typeface="MS Gothic"/>
-              </a:rPr>
-              <a:t> to the J</a:t>
-            </a:r>
-            <a:r>
-              <a:rPr lang="fr-FR" sz="1400" dirty="0">
-                <a:solidFill>
-                  <a:srgbClr val="333333"/>
-                </a:solidFill>
-                <a:ea typeface="MS Gothic"/>
-              </a:rPr>
-              <a:t>B</a:t>
-            </a:r>
-            <a:r>
-              <a:rPr lang="pl-PL" sz="1400" dirty="0" err="1">
-                <a:solidFill>
-                  <a:srgbClr val="333333"/>
-                </a:solidFill>
-                <a:ea typeface="MS Gothic"/>
-              </a:rPr>
-              <a:t>oss</a:t>
-            </a:r>
-            <a:r>
-              <a:rPr lang="pl-PL" sz="1400" dirty="0">
-                <a:solidFill>
-                  <a:srgbClr val="333333"/>
-                </a:solidFill>
-                <a:ea typeface="MS Gothic"/>
-              </a:rPr>
-              <a:t> Cache </a:t>
-            </a:r>
-            <a:r>
-              <a:rPr lang="pl-PL" sz="1400" dirty="0" err="1">
-                <a:solidFill>
-                  <a:srgbClr val="333333"/>
-                </a:solidFill>
-                <a:ea typeface="MS Gothic"/>
-              </a:rPr>
-              <a:t>Configuration</a:t>
-            </a:r>
-            <a:r>
-              <a:rPr lang="pl-PL" sz="1400" dirty="0">
-                <a:solidFill>
-                  <a:srgbClr val="333333"/>
-                </a:solidFill>
-                <a:ea typeface="MS Gothic"/>
-              </a:rPr>
-              <a:t> </a:t>
-            </a:r>
-            <a:r>
-              <a:rPr lang="pl-PL" sz="1400" dirty="0" err="1">
-                <a:solidFill>
-                  <a:srgbClr val="333333"/>
-                </a:solidFill>
-                <a:ea typeface="MS Gothic"/>
-              </a:rPr>
-              <a:t>used</a:t>
-            </a:r>
-            <a:r>
-              <a:rPr lang="pl-PL" sz="1400" dirty="0">
-                <a:solidFill>
-                  <a:srgbClr val="333333"/>
-                </a:solidFill>
-                <a:ea typeface="MS Gothic"/>
-              </a:rPr>
-              <a:t> for the </a:t>
-            </a:r>
-            <a:r>
-              <a:rPr lang="pl-PL" sz="1400" dirty="0" smtClean="0">
-                <a:solidFill>
-                  <a:srgbClr val="333333"/>
-                </a:solidFill>
-                <a:ea typeface="MS Gothic"/>
-              </a:rPr>
-              <a:t>Lock Manager</a:t>
-            </a:r>
-          </a:p>
-          <a:p>
-            <a:pPr marL="342900" indent="-342900">
-              <a:lnSpc>
-                <a:spcPct val="100000"/>
-              </a:lnSpc>
-              <a:buSzPct val="25000"/>
-              <a:buFont typeface="Wingdings" charset="2"/>
-              <a:buChar char="u"/>
-            </a:pPr>
-            <a:r>
-              <a:rPr lang="en-US" sz="1400" b="1" dirty="0" err="1" smtClean="0">
-                <a:solidFill>
-                  <a:srgbClr val="333333"/>
-                </a:solidFill>
-                <a:ea typeface="MS Gothic"/>
-              </a:rPr>
-              <a:t>gatein.jcr.jgroups.config</a:t>
-            </a:r>
-            <a:r>
-              <a:rPr lang="en-US" sz="1400" dirty="0" smtClean="0">
-                <a:solidFill>
-                  <a:srgbClr val="333333"/>
-                </a:solidFill>
-                <a:ea typeface="MS Gothic"/>
-              </a:rPr>
-              <a:t>: Refers to the J</a:t>
-            </a:r>
-            <a:r>
-              <a:rPr lang="fr-FR" sz="1400" dirty="0" smtClean="0">
-                <a:solidFill>
-                  <a:srgbClr val="333333"/>
-                </a:solidFill>
-                <a:ea typeface="MS Gothic"/>
-              </a:rPr>
-              <a:t>G</a:t>
-            </a:r>
-            <a:r>
-              <a:rPr lang="en-US" sz="1400" dirty="0" err="1" smtClean="0">
-                <a:solidFill>
-                  <a:srgbClr val="333333"/>
-                </a:solidFill>
-                <a:ea typeface="MS Gothic"/>
-              </a:rPr>
-              <a:t>roups</a:t>
-            </a:r>
-            <a:r>
-              <a:rPr lang="en-US" sz="1400" dirty="0" smtClean="0">
-                <a:solidFill>
-                  <a:srgbClr val="333333"/>
-                </a:solidFill>
-                <a:ea typeface="MS Gothic"/>
-              </a:rPr>
-              <a:t> configuration</a:t>
-            </a:r>
-          </a:p>
-          <a:p>
-            <a:pPr marL="342900" indent="-342900">
-              <a:lnSpc>
-                <a:spcPct val="100000"/>
-              </a:lnSpc>
-              <a:buSzPct val="25000"/>
-              <a:buFont typeface="Wingdings" charset="2"/>
-              <a:buChar char="u"/>
-            </a:pPr>
-            <a:endParaRPr lang="pl-PL" sz="1400" dirty="0" smtClean="0">
-              <a:solidFill>
-                <a:srgbClr val="333333"/>
-              </a:solidFill>
-              <a:ea typeface="MS Gothic"/>
-            </a:endParaRPr>
-          </a:p>
-          <a:p>
-            <a:pPr marL="342900" indent="-342900">
-              <a:lnSpc>
-                <a:spcPct val="100000"/>
-              </a:lnSpc>
-              <a:buSzPct val="25000"/>
-              <a:buFont typeface="Wingdings" charset="2"/>
-              <a:buChar char="u"/>
-            </a:pPr>
-            <a:endParaRPr lang="cs-CZ" sz="1400" dirty="0" smtClean="0">
-              <a:solidFill>
-                <a:srgbClr val="333333"/>
-              </a:solidFill>
-              <a:ea typeface="MS Gothic"/>
-            </a:endParaRPr>
-          </a:p>
-          <a:p>
-            <a:pPr marL="342900" indent="-342900">
-              <a:lnSpc>
-                <a:spcPct val="100000"/>
-              </a:lnSpc>
-              <a:buSzPct val="25000"/>
-              <a:buFont typeface="Wingdings" charset="2"/>
-              <a:buChar char="u"/>
-            </a:pPr>
-            <a:endParaRPr lang="cs-CZ" sz="1400" dirty="0" smtClean="0">
-              <a:solidFill>
-                <a:srgbClr val="333333"/>
-              </a:solidFill>
-              <a:ea typeface="MS Gothic"/>
-            </a:endParaRPr>
-          </a:p>
-          <a:p>
-            <a:pPr marL="342900" indent="-342900">
-              <a:lnSpc>
-                <a:spcPct val="100000"/>
-              </a:lnSpc>
-              <a:buSzPct val="25000"/>
-              <a:buFont typeface="Wingdings" charset="2"/>
-              <a:buChar char="u"/>
-            </a:pPr>
-            <a:endParaRPr lang="de-DE" sz="2000" dirty="0" smtClean="0">
+            <a:endParaRPr lang="en-US" sz="1400" dirty="0" smtClean="0">
               <a:solidFill>
                 <a:srgbClr val="333333"/>
               </a:solidFill>
@@ -28018,7 +26885,23 @@
               <a:buFont typeface="Wingdings" charset="2"/>
               <a:buChar char="u"/>
             </a:pPr>
-            <a:endParaRPr lang="en-US" sz="2000" dirty="0">
+            <a:endParaRPr lang="en-US" sz="2000" dirty="0" smtClean="0">
+              <a:solidFill>
+                <a:srgbClr val="333333"/>
+              </a:solidFill>
+              <a:ea typeface="MS Gothic"/>
+            </a:endParaRPr>
+          </a:p>
+          <a:p>
+            <a:pPr marL="342900" indent="-342900">
+              <a:lnSpc>
+                <a:spcPct val="100000"/>
+              </a:lnSpc>
+              <a:buSzPct val="25000"/>
+              <a:buFont typeface="Wingdings" charset="2"/>
+              <a:buChar char="u"/>
+            </a:pPr>
+            <a:endParaRPr lang="en-US" sz="2000" dirty="0" smtClean="0">
               <a:solidFill>
                 <a:srgbClr val="333333"/>
               </a:solidFill>

--- a/JPP6-JCR/Day-4.pptx
+++ b/JPP6-JCR/Day-4.pptx
@@ -14930,15 +14930,7 @@
             </a:r>
             <a:r>
               <a:rPr lang="en-US" sz="2200" dirty="0" smtClean="0"/>
-              <a:t>: If you don’t want to enable the LIMIT/OFFSET clauses, you can still use "</a:t>
-            </a:r>
-            <a:r>
-              <a:rPr lang="en-US" sz="2200" dirty="0" smtClean="0"/>
-              <a:t>db2” </a:t>
-            </a:r>
-            <a:r>
-              <a:rPr lang="en-US" sz="2200" dirty="0" smtClean="0"/>
-              <a:t>as dialect however please note that the indexing is 120 times slower.</a:t>
+              <a:t>: If you don’t want to enable the LIMIT/OFFSET clauses, you can still use "db2” as dialect however please note that the indexing is 120 times slower.</a:t>
             </a:r>
             <a:endParaRPr lang="cs-CZ" sz="2200" dirty="0" smtClean="0">
               <a:solidFill>
@@ -16299,7 +16291,15 @@
             </a:r>
             <a:r>
               <a:rPr lang="en-US" sz="2400" dirty="0" smtClean="0"/>
-              <a:t>Inspect the full repository data (database, value storage and search index).</a:t>
+              <a:t>Inspect the full repository data (database, value storage and search </a:t>
+            </a:r>
+            <a:r>
+              <a:rPr lang="en-US" sz="2400" dirty="0" smtClean="0"/>
+              <a:t>indexes)</a:t>
+            </a:r>
+            <a:r>
+              <a:rPr lang="en-US" sz="2400" dirty="0" smtClean="0"/>
+              <a:t>.</a:t>
             </a:r>
           </a:p>
           <a:p>
@@ -16346,8 +16346,12 @@
               <a:t>Inspect only the </a:t>
             </a:r>
             <a:r>
-              <a:rPr lang="en-US" sz="2400" dirty="0" err="1" smtClean="0"/>
-              <a:t>ValueStorage</a:t>
+              <a:rPr lang="en-US" sz="2400" dirty="0" smtClean="0"/>
+              <a:t>v</a:t>
+            </a:r>
+            <a:r>
+              <a:rPr lang="en-US" sz="2400" dirty="0" smtClean="0"/>
+              <a:t>alue storage</a:t>
             </a:r>
             <a:r>
               <a:rPr lang="en-US" sz="2400" dirty="0" smtClean="0"/>
@@ -16376,13 +16380,14 @@
               <a:t>Inspect only the </a:t>
             </a:r>
             <a:r>
-              <a:rPr lang="en-US" sz="2400" dirty="0" err="1" smtClean="0"/>
-              <a:t>SearchIndex</a:t>
-            </a:r>
-            <a:r>
               <a:rPr lang="en-US" sz="2400" dirty="0" smtClean="0"/>
-              <a:t>.</a:t>
-            </a:r>
+              <a:t>s</a:t>
+            </a:r>
+            <a:r>
+              <a:rPr lang="en-US" sz="2400" dirty="0" smtClean="0"/>
+              <a:t>earch indexes.</a:t>
+            </a:r>
+            <a:endParaRPr lang="en-US" sz="2400" dirty="0" smtClean="0"/>
           </a:p>
           <a:p>
             <a:pPr marL="342900" indent="-342900">
@@ -16403,8 +16408,13 @@
             </a:r>
             <a:r>
               <a:rPr lang="en-US" sz="2400" dirty="0" smtClean="0"/>
-              <a:t>Repair DB inconsistencies declared above</a:t>
-            </a:r>
+              <a:t>Repair DB </a:t>
+            </a:r>
+            <a:r>
+              <a:rPr lang="en-US" sz="2400" dirty="0" smtClean="0"/>
+              <a:t>main inconsistencies</a:t>
+            </a:r>
+            <a:endParaRPr lang="en-US" sz="2400" dirty="0" smtClean="0"/>
           </a:p>
           <a:p>
             <a:pPr marL="342900" indent="-342900">
@@ -16428,12 +16438,16 @@
               <a:t>Repair </a:t>
             </a:r>
             <a:r>
-              <a:rPr lang="en-US" sz="2400" dirty="0" err="1" smtClean="0"/>
-              <a:t>ValueStorage</a:t>
-            </a:r>
-            <a:r>
               <a:rPr lang="en-US" sz="2400" dirty="0" smtClean="0"/>
-              <a:t> inconsistencies declared above</a:t>
+              <a:t>mai</a:t>
+            </a:r>
+            <a:r>
+              <a:rPr lang="en-US" sz="2400" dirty="0" smtClean="0"/>
+              <a:t>n </a:t>
+            </a:r>
+            <a:r>
+              <a:rPr lang="en-US" sz="2400" dirty="0" smtClean="0"/>
+              <a:t>value storage inconsistencies</a:t>
             </a:r>
             <a:endParaRPr lang="fr-FR" sz="2400" dirty="0"/>
           </a:p>
@@ -17915,19 +17929,7 @@
               <a:rPr lang="pl-PL" sz="2000" b="1" dirty="0" smtClean="0">
                 <a:hlinkClick r:id="rId4"/>
               </a:rPr>
-              <a:t>/</a:t>
-            </a:r>
-            <a:r>
-              <a:rPr lang="pl-PL" sz="2000" b="1" dirty="0" smtClean="0">
-                <a:hlinkClick r:id="rId4"/>
-              </a:rPr>
-              <a:t>reference</a:t>
-            </a:r>
-            <a:r>
-              <a:rPr lang="pl-PL" sz="2000" b="1" dirty="0" smtClean="0">
-                <a:hlinkClick r:id="rId4"/>
-              </a:rPr>
-              <a:t>.html</a:t>
+              <a:t>/reference.html</a:t>
             </a:r>
             <a:endParaRPr lang="pl-PL" sz="2000" b="1" dirty="0" smtClean="0"/>
           </a:p>
@@ -19714,21 +19716,7 @@
                 <a:latin typeface="Monaco"/>
                 <a:cs typeface="Monaco"/>
               </a:rPr>
-              <a:t>[/]% </a:t>
-            </a:r>
-            <a:r>
-              <a:rPr lang="en-US" sz="1400" dirty="0">
-                <a:latin typeface="Monaco"/>
-                <a:cs typeface="Monaco"/>
-              </a:rPr>
-              <a:t>select -o 10 -l 20 </a:t>
-            </a:r>
-            <a:r>
-              <a:rPr lang="en-US" sz="1400" dirty="0">
-                <a:latin typeface="Monaco"/>
-                <a:cs typeface="Monaco"/>
-              </a:rPr>
-              <a:t>* from </a:t>
+              <a:t>[/]% select -o 10 -l 20 * from </a:t>
             </a:r>
             <a:r>
               <a:rPr lang="en-US" sz="1400" dirty="0" err="1" smtClean="0">
@@ -22656,12 +22644,6 @@
               </a:rPr>
               <a:t>Open a new session and browse your nodes to check that everything has been done as expected </a:t>
             </a:r>
-            <a:r>
-              <a:rPr lang="en-US" sz="2400" b="1" i="1" dirty="0" smtClean="0">
-                <a:cs typeface="Monaco"/>
-              </a:rPr>
-              <a:t/>
-            </a:r>
             <a:br>
               <a:rPr lang="en-US" sz="2400" b="1" i="1" dirty="0" smtClean="0">
                 <a:cs typeface="Monaco"/>
@@ -23209,7 +23191,15 @@
             </a:pPr>
             <a:r>
               <a:rPr lang="en-US" sz="2200" b="1" dirty="0" smtClean="0"/>
-              <a:t>Multi Thread Performance Testing (Search, Versioning, Lock, Read, Write, Export and Import)</a:t>
+              <a:t>Multi Thread Performance Testing (Searching, Versioning</a:t>
+            </a:r>
+            <a:r>
+              <a:rPr lang="en-US" sz="2200" b="1" smtClean="0"/>
+              <a:t>, Locking, </a:t>
+            </a:r>
+            <a:r>
+              <a:rPr lang="en-US" sz="2200" b="1" dirty="0" smtClean="0"/>
+              <a:t>Read, Write, Export and Import)</a:t>
             </a:r>
           </a:p>
           <a:p>

--- a/JPP6-JCR/Day-4.pptx
+++ b/JPP6-JCR/Day-4.pptx
@@ -16291,15 +16291,7 @@
             </a:r>
             <a:r>
               <a:rPr lang="en-US" sz="2400" dirty="0" smtClean="0"/>
-              <a:t>Inspect the full repository data (database, value storage and search </a:t>
-            </a:r>
-            <a:r>
-              <a:rPr lang="en-US" sz="2400" dirty="0" smtClean="0"/>
-              <a:t>indexes)</a:t>
-            </a:r>
-            <a:r>
-              <a:rPr lang="en-US" sz="2400" dirty="0" smtClean="0"/>
-              <a:t>.</a:t>
+              <a:t>Inspect the full repository data (database, value storage and search indexes).</a:t>
             </a:r>
           </a:p>
           <a:p>
@@ -16343,19 +16335,7 @@
             </a:r>
             <a:r>
               <a:rPr lang="en-US" sz="2400" dirty="0" smtClean="0"/>
-              <a:t>Inspect only the </a:t>
-            </a:r>
-            <a:r>
-              <a:rPr lang="en-US" sz="2400" dirty="0" smtClean="0"/>
-              <a:t>v</a:t>
-            </a:r>
-            <a:r>
-              <a:rPr lang="en-US" sz="2400" dirty="0" smtClean="0"/>
-              <a:t>alue storage</a:t>
-            </a:r>
-            <a:r>
-              <a:rPr lang="en-US" sz="2400" dirty="0" smtClean="0"/>
-              <a:t>.</a:t>
+              <a:t>Inspect only the value storage.</a:t>
             </a:r>
           </a:p>
           <a:p>
@@ -16377,17 +16357,8 @@
             </a:r>
             <a:r>
               <a:rPr lang="en-US" sz="2400" dirty="0" smtClean="0"/>
-              <a:t>Inspect only the </a:t>
-            </a:r>
-            <a:r>
-              <a:rPr lang="en-US" sz="2400" dirty="0" smtClean="0"/>
-              <a:t>s</a:t>
-            </a:r>
-            <a:r>
-              <a:rPr lang="en-US" sz="2400" dirty="0" smtClean="0"/>
-              <a:t>earch indexes.</a:t>
-            </a:r>
-            <a:endParaRPr lang="en-US" sz="2400" dirty="0" smtClean="0"/>
+              <a:t>Inspect only the search indexes.</a:t>
+            </a:r>
           </a:p>
           <a:p>
             <a:pPr marL="342900" indent="-342900">
@@ -16408,11 +16379,11 @@
             </a:r>
             <a:r>
               <a:rPr lang="en-US" sz="2400" dirty="0" smtClean="0"/>
-              <a:t>Repair DB </a:t>
-            </a:r>
-            <a:r>
-              <a:rPr lang="en-US" sz="2400" dirty="0" smtClean="0"/>
-              <a:t>main inconsistencies</a:t>
+              <a:t>Repair </a:t>
+            </a:r>
+            <a:r>
+              <a:rPr lang="en-US" sz="2400" smtClean="0"/>
+              <a:t>main DB inconsistencies</a:t>
             </a:r>
             <a:endParaRPr lang="en-US" sz="2400" dirty="0" smtClean="0"/>
           </a:p>
@@ -16435,19 +16406,7 @@
             </a:r>
             <a:r>
               <a:rPr lang="en-US" sz="2400" dirty="0" smtClean="0"/>
-              <a:t>Repair </a:t>
-            </a:r>
-            <a:r>
-              <a:rPr lang="en-US" sz="2400" dirty="0" smtClean="0"/>
-              <a:t>mai</a:t>
-            </a:r>
-            <a:r>
-              <a:rPr lang="en-US" sz="2400" dirty="0" smtClean="0"/>
-              <a:t>n </a:t>
-            </a:r>
-            <a:r>
-              <a:rPr lang="en-US" sz="2400" dirty="0" smtClean="0"/>
-              <a:t>value storage inconsistencies</a:t>
+              <a:t>Repair main value storage inconsistencies</a:t>
             </a:r>
             <a:endParaRPr lang="fr-FR" sz="2400" dirty="0"/>
           </a:p>

--- a/JPP6-JCR/Day-4.pptx
+++ b/JPP6-JCR/Day-4.pptx
@@ -12336,15 +12336,47 @@
               <a:t>If we have a system property called </a:t>
             </a:r>
             <a:r>
+              <a:rPr lang="en-US" sz="1400" b="1" dirty="0" smtClean="0">
+                <a:latin typeface="Monaco"/>
+                <a:cs typeface="Monaco"/>
+              </a:rPr>
+              <a:t>exo.jcr.config.force.workspace.repository_collaboration.container.foo </a:t>
+            </a:r>
+            <a:r>
+              <a:rPr lang="en-US" sz="1400" b="1" dirty="0"/>
+              <a:t>that has been defined, its value will be used for the configuration of the repository 'repository' and the workspace 'collaboration'</a:t>
+            </a:r>
+          </a:p>
+          <a:p>
+            <a:pPr marL="342900" indent="-342900">
+              <a:lnSpc>
+                <a:spcPct val="100000"/>
+              </a:lnSpc>
+              <a:buSzPct val="100000"/>
+              <a:buFont typeface="+mj-lt"/>
+              <a:buAutoNum type="arabicPeriod"/>
+            </a:pPr>
+            <a:r>
+              <a:rPr lang="en-US" sz="1400" b="1" dirty="0"/>
+              <a:t>If we have a system property called</a:t>
+            </a:r>
+            <a:r>
               <a:rPr lang="en-US" sz="1400" b="1" dirty="0">
                 <a:latin typeface="Monaco"/>
                 <a:cs typeface="Monaco"/>
               </a:rPr>
-              <a:t>exo.jcr.config.force.workspace.repository-collaboration.container.foo </a:t>
+              <a:t> </a:t>
+            </a:r>
+            <a:r>
+              <a:rPr lang="en-US" sz="1400" b="1" dirty="0" err="1">
+                <a:latin typeface="Monaco"/>
+                <a:cs typeface="Monaco"/>
+              </a:rPr>
+              <a:t>exo.jcr.config.force.repository.repository.container.foo</a:t>
             </a:r>
             <a:r>
               <a:rPr lang="en-US" sz="1400" b="1" dirty="0"/>
-              <a:t>that has been defined, its value will be used for the configuration of the repository 'repository' and the workspace 'collaboration'</a:t>
+              <a:t> that has been defined, its value will be used for the configuration of all the workspaces of the repository 'repository' except the workspaces for which we configured the same property using system properties defined in #1</a:t>
             </a:r>
           </a:p>
           <a:p>
@@ -12358,25 +12390,25 @@
             </a:pPr>
             <a:r>
               <a:rPr lang="en-US" sz="1400" b="1" dirty="0"/>
-              <a:t>If we have a system property called</a:t>
+              <a:t>If we have a system property called </a:t>
+            </a:r>
+            <a:r>
+              <a:rPr lang="en-US" sz="1400" b="1" dirty="0" err="1">
+                <a:latin typeface="Monaco"/>
+                <a:cs typeface="Monaco"/>
+              </a:rPr>
+              <a:t>exo.jcr.config.force.all.container.foo</a:t>
             </a:r>
             <a:r>
               <a:rPr lang="en-US" sz="1400" b="1" dirty="0">
                 <a:latin typeface="Monaco"/>
                 <a:cs typeface="Monaco"/>
               </a:rPr>
-              <a:t> </a:t>
-            </a:r>
-            <a:r>
-              <a:rPr lang="en-US" sz="1400" b="1" dirty="0" err="1">
-                <a:latin typeface="Monaco"/>
-                <a:cs typeface="Monaco"/>
-              </a:rPr>
-              <a:t>exo.jcr.config.force.repository.repository.container.foo</a:t>
+              <a:t> th</a:t>
             </a:r>
             <a:r>
               <a:rPr lang="en-US" sz="1400" b="1" dirty="0"/>
-              <a:t> that has been defined, its value will be used for the configuration of all the workspaces of the repository 'repository' except the workspaces for which we configured the same property using system properties defined in #1</a:t>
+              <a:t>at has been defined, its value will be used for the configuration of all the workspaces except the workspaces for which we configured the same property using system properties defined in #1 or #2</a:t>
             </a:r>
           </a:p>
           <a:p>
@@ -12390,68 +12422,43 @@
             </a:pPr>
             <a:r>
               <a:rPr lang="en-US" sz="1400" b="1" dirty="0"/>
-              <a:t>If we have a system property called </a:t>
-            </a:r>
-            <a:r>
-              <a:rPr lang="en-US" sz="1400" b="1" dirty="0" err="1">
+              <a:t>If we have a property 'foo' configured for the repository 'repository' and the workspace 'collaboration' and we have no system properties corresponding to </a:t>
+            </a:r>
+            <a:r>
+              <a:rPr lang="en-US" sz="1400" b="1" dirty="0" smtClean="0"/>
+              <a:t>rules </a:t>
+            </a:r>
+            <a:r>
+              <a:rPr lang="en-US" sz="1400" b="1" dirty="0"/>
+              <a:t>#1, #2 and #3, we will use this value (current behavior)</a:t>
+            </a:r>
+          </a:p>
+          <a:p>
+            <a:pPr marL="342900" indent="-342900">
+              <a:lnSpc>
+                <a:spcPct val="100000"/>
+              </a:lnSpc>
+              <a:buSzPct val="100000"/>
+              <a:buFont typeface="+mj-lt"/>
+              <a:buAutoNum type="arabicPeriod"/>
+            </a:pPr>
+            <a:r>
+              <a:rPr lang="en-US" sz="1400" b="1" dirty="0"/>
+              <a:t>If the previous rules don't allow to give a value to the property 'foo', we will then check the default value in the following order </a:t>
+            </a:r>
+            <a:r>
+              <a:rPr lang="en-US" sz="1400" b="1" dirty="0" smtClean="0">
                 <a:latin typeface="Monaco"/>
                 <a:cs typeface="Monaco"/>
               </a:rPr>
-              <a:t>exo.jcr.config.force.all.container.foo</a:t>
+              <a:t>exo.jcr.config.default.workspace.repository_collaboration.container.foo</a:t>
             </a:r>
             <a:r>
               <a:rPr lang="en-US" sz="1400" b="1" dirty="0">
                 <a:latin typeface="Monaco"/>
                 <a:cs typeface="Monaco"/>
               </a:rPr>
-              <a:t> th</a:t>
-            </a:r>
-            <a:r>
-              <a:rPr lang="en-US" sz="1400" b="1" dirty="0"/>
-              <a:t>at has been defined, its value will be used for the configuration of all the workspaces except the workspaces for which we configured the same property using system properties defined in #1 or #2</a:t>
-            </a:r>
-          </a:p>
-          <a:p>
-            <a:pPr marL="342900" indent="-342900">
-              <a:lnSpc>
-                <a:spcPct val="100000"/>
-              </a:lnSpc>
-              <a:buSzPct val="100000"/>
-              <a:buFont typeface="+mj-lt"/>
-              <a:buAutoNum type="arabicPeriod"/>
-            </a:pPr>
-            <a:r>
-              <a:rPr lang="en-US" sz="1400" b="1" dirty="0"/>
-              <a:t>If we have a property 'foo' configured for the repository 'repository' and the workspace 'collaboration' and we have no system properties corresponding to </a:t>
-            </a:r>
-            <a:r>
-              <a:rPr lang="en-US" sz="1400" b="1" dirty="0" smtClean="0"/>
-              <a:t>rules </a:t>
-            </a:r>
-            <a:r>
-              <a:rPr lang="en-US" sz="1400" b="1" dirty="0"/>
-              <a:t>#1, #2 and #3, we will use this value (current behavior)</a:t>
-            </a:r>
-          </a:p>
-          <a:p>
-            <a:pPr marL="342900" indent="-342900">
-              <a:lnSpc>
-                <a:spcPct val="100000"/>
-              </a:lnSpc>
-              <a:buSzPct val="100000"/>
-              <a:buFont typeface="+mj-lt"/>
-              <a:buAutoNum type="arabicPeriod"/>
-            </a:pPr>
-            <a:r>
-              <a:rPr lang="en-US" sz="1400" b="1" dirty="0"/>
-              <a:t>If the previous rules don't allow to give a value to the property 'foo', we will then check the default value in the following order </a:t>
-            </a:r>
-            <a:r>
-              <a:rPr lang="en-US" sz="1400" b="1" dirty="0">
-                <a:latin typeface="Monaco"/>
-                <a:cs typeface="Monaco"/>
-              </a:rPr>
-              <a:t>exo.jcr.config.default.workspace.repository-collaboration.container.foo, </a:t>
+              <a:t>, </a:t>
             </a:r>
             <a:r>
               <a:rPr lang="en-US" sz="1400" b="1" dirty="0" err="1">
